--- a/ppt_Practice/day9_stack.pptx
+++ b/ppt_Practice/day9_stack.pptx
@@ -7,6 +7,9 @@
   <p:sldIdLst>
     <p:sldId id="257" r:id="rId2"/>
     <p:sldId id="258" r:id="rId3"/>
+    <p:sldId id="259" r:id="rId4"/>
+    <p:sldId id="260" r:id="rId5"/>
+    <p:sldId id="261" r:id="rId6"/>
   </p:sldIdLst>
   <p:sldSz cx="12192000" cy="6858000"/>
   <p:notesSz cx="6858000" cy="9144000"/>
@@ -260,7 +263,7 @@
           <a:p>
             <a:fld id="{74688AC9-9486-46F2-9DCE-9F66F9795433}" type="datetimeFigureOut">
               <a:rPr lang="ko-KR" altLang="en-US" smtClean="0"/>
-              <a:t>2022-02-17</a:t>
+              <a:t>2022-02-18</a:t>
             </a:fld>
             <a:endParaRPr lang="ko-KR" altLang="en-US"/>
           </a:p>
@@ -458,7 +461,7 @@
           <a:p>
             <a:fld id="{74688AC9-9486-46F2-9DCE-9F66F9795433}" type="datetimeFigureOut">
               <a:rPr lang="ko-KR" altLang="en-US" smtClean="0"/>
-              <a:t>2022-02-17</a:t>
+              <a:t>2022-02-18</a:t>
             </a:fld>
             <a:endParaRPr lang="ko-KR" altLang="en-US"/>
           </a:p>
@@ -666,7 +669,7 @@
           <a:p>
             <a:fld id="{74688AC9-9486-46F2-9DCE-9F66F9795433}" type="datetimeFigureOut">
               <a:rPr lang="ko-KR" altLang="en-US" smtClean="0"/>
-              <a:t>2022-02-17</a:t>
+              <a:t>2022-02-18</a:t>
             </a:fld>
             <a:endParaRPr lang="ko-KR" altLang="en-US"/>
           </a:p>
@@ -864,7 +867,7 @@
           <a:p>
             <a:fld id="{74688AC9-9486-46F2-9DCE-9F66F9795433}" type="datetimeFigureOut">
               <a:rPr lang="ko-KR" altLang="en-US" smtClean="0"/>
-              <a:t>2022-02-17</a:t>
+              <a:t>2022-02-18</a:t>
             </a:fld>
             <a:endParaRPr lang="ko-KR" altLang="en-US"/>
           </a:p>
@@ -1139,7 +1142,7 @@
           <a:p>
             <a:fld id="{74688AC9-9486-46F2-9DCE-9F66F9795433}" type="datetimeFigureOut">
               <a:rPr lang="ko-KR" altLang="en-US" smtClean="0"/>
-              <a:t>2022-02-17</a:t>
+              <a:t>2022-02-18</a:t>
             </a:fld>
             <a:endParaRPr lang="ko-KR" altLang="en-US"/>
           </a:p>
@@ -1404,7 +1407,7 @@
           <a:p>
             <a:fld id="{74688AC9-9486-46F2-9DCE-9F66F9795433}" type="datetimeFigureOut">
               <a:rPr lang="ko-KR" altLang="en-US" smtClean="0"/>
-              <a:t>2022-02-17</a:t>
+              <a:t>2022-02-18</a:t>
             </a:fld>
             <a:endParaRPr lang="ko-KR" altLang="en-US"/>
           </a:p>
@@ -1816,7 +1819,7 @@
           <a:p>
             <a:fld id="{74688AC9-9486-46F2-9DCE-9F66F9795433}" type="datetimeFigureOut">
               <a:rPr lang="ko-KR" altLang="en-US" smtClean="0"/>
-              <a:t>2022-02-17</a:t>
+              <a:t>2022-02-18</a:t>
             </a:fld>
             <a:endParaRPr lang="ko-KR" altLang="en-US"/>
           </a:p>
@@ -1957,7 +1960,7 @@
           <a:p>
             <a:fld id="{74688AC9-9486-46F2-9DCE-9F66F9795433}" type="datetimeFigureOut">
               <a:rPr lang="ko-KR" altLang="en-US" smtClean="0"/>
-              <a:t>2022-02-17</a:t>
+              <a:t>2022-02-18</a:t>
             </a:fld>
             <a:endParaRPr lang="ko-KR" altLang="en-US"/>
           </a:p>
@@ -2070,7 +2073,7 @@
           <a:p>
             <a:fld id="{74688AC9-9486-46F2-9DCE-9F66F9795433}" type="datetimeFigureOut">
               <a:rPr lang="ko-KR" altLang="en-US" smtClean="0"/>
-              <a:t>2022-02-17</a:t>
+              <a:t>2022-02-18</a:t>
             </a:fld>
             <a:endParaRPr lang="ko-KR" altLang="en-US"/>
           </a:p>
@@ -2381,7 +2384,7 @@
           <a:p>
             <a:fld id="{74688AC9-9486-46F2-9DCE-9F66F9795433}" type="datetimeFigureOut">
               <a:rPr lang="ko-KR" altLang="en-US" smtClean="0"/>
-              <a:t>2022-02-17</a:t>
+              <a:t>2022-02-18</a:t>
             </a:fld>
             <a:endParaRPr lang="ko-KR" altLang="en-US"/>
           </a:p>
@@ -2669,7 +2672,7 @@
           <a:p>
             <a:fld id="{74688AC9-9486-46F2-9DCE-9F66F9795433}" type="datetimeFigureOut">
               <a:rPr lang="ko-KR" altLang="en-US" smtClean="0"/>
-              <a:t>2022-02-17</a:t>
+              <a:t>2022-02-18</a:t>
             </a:fld>
             <a:endParaRPr lang="ko-KR" altLang="en-US"/>
           </a:p>
@@ -2910,7 +2913,7 @@
           <a:p>
             <a:fld id="{74688AC9-9486-46F2-9DCE-9F66F9795433}" type="datetimeFigureOut">
               <a:rPr lang="ko-KR" altLang="en-US" smtClean="0"/>
-              <a:t>2022-02-17</a:t>
+              <a:t>2022-02-18</a:t>
             </a:fld>
             <a:endParaRPr lang="ko-KR" altLang="en-US"/>
           </a:p>
@@ -3415,7 +3418,7 @@
         </p:nvCxnSpPr>
         <p:spPr>
           <a:xfrm>
-            <a:off x="735183" y="521834"/>
+            <a:off x="894670" y="550862"/>
             <a:ext cx="11233219" cy="0"/>
           </a:xfrm>
           <a:prstGeom prst="line">
@@ -5036,6 +5039,10 @@
           <a:lstStyle/>
           <a:p>
             <a:pPr algn="ctr"/>
+            <a:r>
+              <a:rPr lang="en-US" altLang="ko-KR" dirty="0"/>
+              <a:t>0</a:t>
+            </a:r>
             <a:endParaRPr lang="ko-KR" altLang="en-US" dirty="0"/>
           </a:p>
         </p:txBody>
@@ -5089,18 +5096,18 @@
           </p:cNvPr>
           <p:cNvCxnSpPr>
             <a:cxnSpLocks/>
-            <a:endCxn id="61" idx="1"/>
+            <a:endCxn id="129" idx="1"/>
           </p:cNvCxnSpPr>
           <p:nvPr/>
         </p:nvCxnSpPr>
         <p:spPr>
           <a:xfrm>
             <a:off x="2356112" y="843544"/>
-            <a:ext cx="3441026" cy="540285"/>
+            <a:ext cx="3458950" cy="2106206"/>
           </a:xfrm>
           <a:prstGeom prst="bentConnector3">
             <a:avLst>
-              <a:gd name="adj1" fmla="val 50000"/>
+              <a:gd name="adj1" fmla="val 90703"/>
             </a:avLst>
           </a:prstGeom>
           <a:ln>
@@ -5320,10 +5327,6 @@
           <a:lstStyle/>
           <a:p>
             <a:pPr algn="ctr"/>
-            <a:r>
-              <a:rPr lang="en-US" altLang="ko-KR" dirty="0"/>
-              <a:t>*top</a:t>
-            </a:r>
             <a:endParaRPr lang="ko-KR" altLang="en-US" dirty="0"/>
           </a:p>
         </p:txBody>
@@ -5701,8 +5704,8 @@
         </p:nvSpPr>
         <p:spPr>
           <a:xfrm>
-            <a:off x="7299783" y="2473549"/>
-            <a:ext cx="593161" cy="646811"/>
+            <a:off x="7270755" y="2473549"/>
+            <a:ext cx="778311" cy="646811"/>
           </a:xfrm>
           <a:prstGeom prst="rect">
             <a:avLst/>
@@ -5729,7 +5732,7 @@
           <a:lstStyle/>
           <a:p>
             <a:pPr algn="ctr"/>
-            <a:endParaRPr lang="ko-KR" altLang="en-US"/>
+            <a:endParaRPr lang="ko-KR" altLang="en-US" dirty="0"/>
           </a:p>
         </p:txBody>
       </p:sp>
@@ -5891,19 +5894,19 @@
           </p:cNvPr>
           <p:cNvCxnSpPr>
             <a:cxnSpLocks/>
-            <a:stCxn id="69" idx="3"/>
-            <a:endCxn id="129" idx="3"/>
+            <a:stCxn id="133" idx="3"/>
+            <a:endCxn id="61" idx="3"/>
           </p:cNvCxnSpPr>
           <p:nvPr/>
         </p:nvCxnSpPr>
         <p:spPr>
-          <a:xfrm>
-            <a:off x="7875020" y="1231034"/>
-            <a:ext cx="338362" cy="1718716"/>
+          <a:xfrm flipV="1">
+            <a:off x="8049066" y="1383829"/>
+            <a:ext cx="146392" cy="1413126"/>
           </a:xfrm>
           <a:prstGeom prst="bentConnector3">
             <a:avLst>
-              <a:gd name="adj1" fmla="val 167561"/>
+              <a:gd name="adj1" fmla="val 256156"/>
             </a:avLst>
           </a:prstGeom>
           <a:ln>
@@ -5969,7 +5972,7 @@
             <a:pPr algn="ctr"/>
             <a:r>
               <a:rPr lang="en-US" altLang="ko-KR" dirty="0"/>
-              <a:t>10</a:t>
+              <a:t>20</a:t>
             </a:r>
             <a:endParaRPr lang="ko-KR" altLang="en-US" dirty="0"/>
           </a:p>
@@ -6057,6 +6060,3994 @@
     <p:extLst>
       <p:ext uri="{BB962C8B-B14F-4D97-AF65-F5344CB8AC3E}">
         <p14:creationId xmlns:p14="http://schemas.microsoft.com/office/powerpoint/2010/main" val="2102158436"/>
+      </p:ext>
+    </p:extLst>
+  </p:cSld>
+  <p:clrMapOvr>
+    <a:masterClrMapping/>
+  </p:clrMapOvr>
+</p:sld>
+</file>
+
+<file path=ppt/slides/slide3.xml><?xml version="1.0" encoding="utf-8"?>
+<p:sld xmlns:a="http://schemas.openxmlformats.org/drawingml/2006/main" xmlns:r="http://schemas.openxmlformats.org/officeDocument/2006/relationships" xmlns:p="http://schemas.openxmlformats.org/presentationml/2006/main">
+  <p:cSld>
+    <p:spTree>
+      <p:nvGrpSpPr>
+        <p:cNvPr id="1" name=""/>
+        <p:cNvGrpSpPr/>
+        <p:nvPr/>
+      </p:nvGrpSpPr>
+      <p:grpSpPr>
+        <a:xfrm>
+          <a:off x="0" y="0"/>
+          <a:ext cx="0" cy="0"/>
+          <a:chOff x="0" y="0"/>
+          <a:chExt cx="0" cy="0"/>
+        </a:xfrm>
+      </p:grpSpPr>
+      <p:sp>
+        <p:nvSpPr>
+          <p:cNvPr id="4" name="TextBox 3">
+            <a:extLst>
+              <a:ext uri="{FF2B5EF4-FFF2-40B4-BE49-F238E27FC236}">
+                <a16:creationId xmlns:a16="http://schemas.microsoft.com/office/drawing/2014/main" id="{CAD00B1A-D190-4DB3-B49C-97D361E8A67F}"/>
+              </a:ext>
+            </a:extLst>
+          </p:cNvPr>
+          <p:cNvSpPr txBox="1"/>
+          <p:nvPr/>
+        </p:nvSpPr>
+        <p:spPr>
+          <a:xfrm>
+            <a:off x="1646528" y="31676"/>
+            <a:ext cx="788565" cy="369332"/>
+          </a:xfrm>
+          <a:prstGeom prst="rect">
+            <a:avLst/>
+          </a:prstGeom>
+          <a:noFill/>
+        </p:spPr>
+        <p:txBody>
+          <a:bodyPr wrap="square" rtlCol="0">
+            <a:spAutoFit/>
+          </a:bodyPr>
+          <a:lstStyle/>
+          <a:p>
+            <a:r>
+              <a:rPr lang="en-US" altLang="ko-KR" dirty="0"/>
+              <a:t>Stack</a:t>
+            </a:r>
+            <a:endParaRPr lang="ko-KR" altLang="en-US" dirty="0"/>
+          </a:p>
+        </p:txBody>
+      </p:sp>
+      <p:sp>
+        <p:nvSpPr>
+          <p:cNvPr id="5" name="TextBox 4">
+            <a:extLst>
+              <a:ext uri="{FF2B5EF4-FFF2-40B4-BE49-F238E27FC236}">
+                <a16:creationId xmlns:a16="http://schemas.microsoft.com/office/drawing/2014/main" id="{537D015D-9E7A-4E3E-8983-D5DA549CED2C}"/>
+              </a:ext>
+            </a:extLst>
+          </p:cNvPr>
+          <p:cNvSpPr txBox="1"/>
+          <p:nvPr/>
+        </p:nvSpPr>
+        <p:spPr>
+          <a:xfrm>
+            <a:off x="6511280" y="0"/>
+            <a:ext cx="788565" cy="369332"/>
+          </a:xfrm>
+          <a:prstGeom prst="rect">
+            <a:avLst/>
+          </a:prstGeom>
+          <a:noFill/>
+        </p:spPr>
+        <p:txBody>
+          <a:bodyPr wrap="square" rtlCol="0">
+            <a:spAutoFit/>
+          </a:bodyPr>
+          <a:lstStyle/>
+          <a:p>
+            <a:r>
+              <a:rPr lang="en-US" altLang="ko-KR" dirty="0"/>
+              <a:t>Heap</a:t>
+            </a:r>
+            <a:endParaRPr lang="ko-KR" altLang="en-US" dirty="0"/>
+          </a:p>
+        </p:txBody>
+      </p:sp>
+      <p:cxnSp>
+        <p:nvCxnSpPr>
+          <p:cNvPr id="6" name="직선 연결선 5">
+            <a:extLst>
+              <a:ext uri="{FF2B5EF4-FFF2-40B4-BE49-F238E27FC236}">
+                <a16:creationId xmlns:a16="http://schemas.microsoft.com/office/drawing/2014/main" id="{1384AF7D-A327-4013-940A-36EB32C99FD3}"/>
+              </a:ext>
+            </a:extLst>
+          </p:cNvPr>
+          <p:cNvCxnSpPr>
+            <a:cxnSpLocks/>
+          </p:cNvCxnSpPr>
+          <p:nvPr/>
+        </p:nvCxnSpPr>
+        <p:spPr>
+          <a:xfrm>
+            <a:off x="735183" y="521834"/>
+            <a:ext cx="11233219" cy="0"/>
+          </a:xfrm>
+          <a:prstGeom prst="line">
+            <a:avLst/>
+          </a:prstGeom>
+        </p:spPr>
+        <p:style>
+          <a:lnRef idx="1">
+            <a:schemeClr val="accent1"/>
+          </a:lnRef>
+          <a:fillRef idx="0">
+            <a:schemeClr val="accent1"/>
+          </a:fillRef>
+          <a:effectRef idx="0">
+            <a:schemeClr val="accent1"/>
+          </a:effectRef>
+          <a:fontRef idx="minor">
+            <a:schemeClr val="tx1"/>
+          </a:fontRef>
+        </p:style>
+      </p:cxnSp>
+      <p:cxnSp>
+        <p:nvCxnSpPr>
+          <p:cNvPr id="7" name="직선 연결선 6">
+            <a:extLst>
+              <a:ext uri="{FF2B5EF4-FFF2-40B4-BE49-F238E27FC236}">
+                <a16:creationId xmlns:a16="http://schemas.microsoft.com/office/drawing/2014/main" id="{5358EEBB-4481-4D91-9033-F187EDBD638D}"/>
+              </a:ext>
+            </a:extLst>
+          </p:cNvPr>
+          <p:cNvCxnSpPr>
+            <a:cxnSpLocks/>
+          </p:cNvCxnSpPr>
+          <p:nvPr/>
+        </p:nvCxnSpPr>
+        <p:spPr>
+          <a:xfrm>
+            <a:off x="5245345" y="202479"/>
+            <a:ext cx="0" cy="6627839"/>
+          </a:xfrm>
+          <a:prstGeom prst="line">
+            <a:avLst/>
+          </a:prstGeom>
+        </p:spPr>
+        <p:style>
+          <a:lnRef idx="1">
+            <a:schemeClr val="accent1"/>
+          </a:lnRef>
+          <a:fillRef idx="0">
+            <a:schemeClr val="accent1"/>
+          </a:fillRef>
+          <a:effectRef idx="0">
+            <a:schemeClr val="accent1"/>
+          </a:effectRef>
+          <a:fontRef idx="minor">
+            <a:schemeClr val="tx1"/>
+          </a:fontRef>
+        </p:style>
+      </p:cxnSp>
+      <p:sp>
+        <p:nvSpPr>
+          <p:cNvPr id="8" name="TextBox 7">
+            <a:extLst>
+              <a:ext uri="{FF2B5EF4-FFF2-40B4-BE49-F238E27FC236}">
+                <a16:creationId xmlns:a16="http://schemas.microsoft.com/office/drawing/2014/main" id="{EEBC2A7D-2FF9-4A56-9E05-32F87B06A734}"/>
+              </a:ext>
+            </a:extLst>
+          </p:cNvPr>
+          <p:cNvSpPr txBox="1"/>
+          <p:nvPr/>
+        </p:nvSpPr>
+        <p:spPr>
+          <a:xfrm>
+            <a:off x="325337" y="908083"/>
+            <a:ext cx="788565" cy="369332"/>
+          </a:xfrm>
+          <a:prstGeom prst="rect">
+            <a:avLst/>
+          </a:prstGeom>
+          <a:noFill/>
+        </p:spPr>
+        <p:txBody>
+          <a:bodyPr wrap="square" rtlCol="0">
+            <a:spAutoFit/>
+          </a:bodyPr>
+          <a:lstStyle/>
+          <a:p>
+            <a:r>
+              <a:rPr lang="en-US" altLang="ko-KR" dirty="0"/>
+              <a:t>main</a:t>
+            </a:r>
+            <a:endParaRPr lang="ko-KR" altLang="en-US" dirty="0"/>
+          </a:p>
+        </p:txBody>
+      </p:sp>
+      <p:sp>
+        <p:nvSpPr>
+          <p:cNvPr id="9" name="직사각형 8">
+            <a:extLst>
+              <a:ext uri="{FF2B5EF4-FFF2-40B4-BE49-F238E27FC236}">
+                <a16:creationId xmlns:a16="http://schemas.microsoft.com/office/drawing/2014/main" id="{DE5FDDE0-FDF8-4A90-932E-0593E4FA2BCE}"/>
+              </a:ext>
+            </a:extLst>
+          </p:cNvPr>
+          <p:cNvSpPr/>
+          <p:nvPr/>
+        </p:nvSpPr>
+        <p:spPr>
+          <a:xfrm>
+            <a:off x="1567551" y="737773"/>
+            <a:ext cx="788561" cy="662620"/>
+          </a:xfrm>
+          <a:prstGeom prst="rect">
+            <a:avLst/>
+          </a:prstGeom>
+        </p:spPr>
+        <p:style>
+          <a:lnRef idx="2">
+            <a:schemeClr val="accent1">
+              <a:shade val="50000"/>
+            </a:schemeClr>
+          </a:lnRef>
+          <a:fillRef idx="1">
+            <a:schemeClr val="accent1"/>
+          </a:fillRef>
+          <a:effectRef idx="0">
+            <a:schemeClr val="accent1"/>
+          </a:effectRef>
+          <a:fontRef idx="minor">
+            <a:schemeClr val="lt1"/>
+          </a:fontRef>
+        </p:style>
+        <p:txBody>
+          <a:bodyPr rtlCol="0" anchor="ctr"/>
+          <a:lstStyle/>
+          <a:p>
+            <a:pPr algn="ctr"/>
+            <a:r>
+              <a:rPr lang="en-US" altLang="ko-KR" dirty="0" err="1"/>
+              <a:t>tmp</a:t>
+            </a:r>
+            <a:endParaRPr lang="ko-KR" altLang="en-US" dirty="0"/>
+          </a:p>
+        </p:txBody>
+      </p:sp>
+      <p:sp>
+        <p:nvSpPr>
+          <p:cNvPr id="10" name="TextBox 9">
+            <a:extLst>
+              <a:ext uri="{FF2B5EF4-FFF2-40B4-BE49-F238E27FC236}">
+                <a16:creationId xmlns:a16="http://schemas.microsoft.com/office/drawing/2014/main" id="{8967785E-8D5D-44F7-8C09-C924343DE3BC}"/>
+              </a:ext>
+            </a:extLst>
+          </p:cNvPr>
+          <p:cNvSpPr txBox="1"/>
+          <p:nvPr/>
+        </p:nvSpPr>
+        <p:spPr>
+          <a:xfrm>
+            <a:off x="1672308" y="1383829"/>
+            <a:ext cx="683803" cy="369332"/>
+          </a:xfrm>
+          <a:prstGeom prst="rect">
+            <a:avLst/>
+          </a:prstGeom>
+          <a:noFill/>
+        </p:spPr>
+        <p:txBody>
+          <a:bodyPr wrap="square" rtlCol="0">
+            <a:spAutoFit/>
+          </a:bodyPr>
+          <a:lstStyle/>
+          <a:p>
+            <a:r>
+              <a:rPr lang="en-US" altLang="ko-KR" dirty="0"/>
+              <a:t>top</a:t>
+            </a:r>
+            <a:endParaRPr lang="ko-KR" altLang="en-US" dirty="0"/>
+          </a:p>
+        </p:txBody>
+      </p:sp>
+      <p:sp>
+        <p:nvSpPr>
+          <p:cNvPr id="11" name="TextBox 10">
+            <a:extLst>
+              <a:ext uri="{FF2B5EF4-FFF2-40B4-BE49-F238E27FC236}">
+                <a16:creationId xmlns:a16="http://schemas.microsoft.com/office/drawing/2014/main" id="{E484A08D-D7F2-4EA6-8198-862AF9EDE692}"/>
+              </a:ext>
+            </a:extLst>
+          </p:cNvPr>
+          <p:cNvSpPr txBox="1"/>
+          <p:nvPr/>
+        </p:nvSpPr>
+        <p:spPr>
+          <a:xfrm>
+            <a:off x="5797138" y="778443"/>
+            <a:ext cx="2398320" cy="1210771"/>
+          </a:xfrm>
+          <a:prstGeom prst="rect">
+            <a:avLst/>
+          </a:prstGeom>
+        </p:spPr>
+        <p:style>
+          <a:lnRef idx="2">
+            <a:schemeClr val="dk1"/>
+          </a:lnRef>
+          <a:fillRef idx="1">
+            <a:schemeClr val="lt1"/>
+          </a:fillRef>
+          <a:effectRef idx="0">
+            <a:schemeClr val="dk1"/>
+          </a:effectRef>
+          <a:fontRef idx="minor">
+            <a:schemeClr val="dk1"/>
+          </a:fontRef>
+        </p:style>
+        <p:txBody>
+          <a:bodyPr wrap="square" rtlCol="0">
+            <a:spAutoFit/>
+          </a:bodyPr>
+          <a:lstStyle/>
+          <a:p>
+            <a:endParaRPr lang="ko-KR" altLang="en-US" dirty="0"/>
+          </a:p>
+        </p:txBody>
+      </p:sp>
+      <p:sp>
+        <p:nvSpPr>
+          <p:cNvPr id="12" name="TextBox 11">
+            <a:extLst>
+              <a:ext uri="{FF2B5EF4-FFF2-40B4-BE49-F238E27FC236}">
+                <a16:creationId xmlns:a16="http://schemas.microsoft.com/office/drawing/2014/main" id="{2CB790FF-3766-4E1A-973F-9D54C80BAC5F}"/>
+              </a:ext>
+            </a:extLst>
+          </p:cNvPr>
+          <p:cNvSpPr txBox="1"/>
+          <p:nvPr/>
+        </p:nvSpPr>
+        <p:spPr>
+          <a:xfrm>
+            <a:off x="6154532" y="1474832"/>
+            <a:ext cx="778311" cy="369332"/>
+          </a:xfrm>
+          <a:prstGeom prst="rect">
+            <a:avLst/>
+          </a:prstGeom>
+          <a:noFill/>
+        </p:spPr>
+        <p:txBody>
+          <a:bodyPr wrap="square" rtlCol="0">
+            <a:spAutoFit/>
+          </a:bodyPr>
+          <a:lstStyle/>
+          <a:p>
+            <a:r>
+              <a:rPr lang="en-US" altLang="ko-KR" dirty="0"/>
+              <a:t>data</a:t>
+            </a:r>
+            <a:endParaRPr lang="ko-KR" altLang="en-US" dirty="0"/>
+          </a:p>
+        </p:txBody>
+      </p:sp>
+      <p:sp>
+        <p:nvSpPr>
+          <p:cNvPr id="13" name="직사각형 12">
+            <a:extLst>
+              <a:ext uri="{FF2B5EF4-FFF2-40B4-BE49-F238E27FC236}">
+                <a16:creationId xmlns:a16="http://schemas.microsoft.com/office/drawing/2014/main" id="{EE5A9264-AD50-46BA-B152-7332063D2079}"/>
+              </a:ext>
+            </a:extLst>
+          </p:cNvPr>
+          <p:cNvSpPr/>
+          <p:nvPr/>
+        </p:nvSpPr>
+        <p:spPr>
+          <a:xfrm>
+            <a:off x="6102223" y="895853"/>
+            <a:ext cx="788561" cy="662620"/>
+          </a:xfrm>
+          <a:prstGeom prst="rect">
+            <a:avLst/>
+          </a:prstGeom>
+        </p:spPr>
+        <p:style>
+          <a:lnRef idx="2">
+            <a:schemeClr val="accent1">
+              <a:shade val="50000"/>
+            </a:schemeClr>
+          </a:lnRef>
+          <a:fillRef idx="1">
+            <a:schemeClr val="accent1"/>
+          </a:fillRef>
+          <a:effectRef idx="0">
+            <a:schemeClr val="accent1"/>
+          </a:effectRef>
+          <a:fontRef idx="minor">
+            <a:schemeClr val="lt1"/>
+          </a:fontRef>
+        </p:style>
+        <p:txBody>
+          <a:bodyPr rtlCol="0" anchor="ctr"/>
+          <a:lstStyle/>
+          <a:p>
+            <a:pPr algn="ctr"/>
+            <a:r>
+              <a:rPr lang="en-US" altLang="ko-KR" dirty="0"/>
+              <a:t>10</a:t>
+            </a:r>
+            <a:endParaRPr lang="ko-KR" altLang="en-US" dirty="0"/>
+          </a:p>
+        </p:txBody>
+      </p:sp>
+      <p:sp>
+        <p:nvSpPr>
+          <p:cNvPr id="14" name="TextBox 13">
+            <a:extLst>
+              <a:ext uri="{FF2B5EF4-FFF2-40B4-BE49-F238E27FC236}">
+                <a16:creationId xmlns:a16="http://schemas.microsoft.com/office/drawing/2014/main" id="{A9B8675B-CAA2-40D5-92DA-025FAEFE0444}"/>
+              </a:ext>
+            </a:extLst>
+          </p:cNvPr>
+          <p:cNvSpPr txBox="1"/>
+          <p:nvPr/>
+        </p:nvSpPr>
+        <p:spPr>
+          <a:xfrm>
+            <a:off x="7307789" y="1614070"/>
+            <a:ext cx="593160" cy="369332"/>
+          </a:xfrm>
+          <a:prstGeom prst="rect">
+            <a:avLst/>
+          </a:prstGeom>
+          <a:noFill/>
+        </p:spPr>
+        <p:txBody>
+          <a:bodyPr wrap="square" rtlCol="0">
+            <a:spAutoFit/>
+          </a:bodyPr>
+          <a:lstStyle/>
+          <a:p>
+            <a:r>
+              <a:rPr lang="en-US" altLang="ko-KR" dirty="0"/>
+              <a:t>link</a:t>
+            </a:r>
+            <a:endParaRPr lang="ko-KR" altLang="en-US" dirty="0"/>
+          </a:p>
+        </p:txBody>
+      </p:sp>
+      <p:sp>
+        <p:nvSpPr>
+          <p:cNvPr id="15" name="직사각형 14">
+            <a:extLst>
+              <a:ext uri="{FF2B5EF4-FFF2-40B4-BE49-F238E27FC236}">
+                <a16:creationId xmlns:a16="http://schemas.microsoft.com/office/drawing/2014/main" id="{07AC6924-3E4A-49F1-ABC7-99C4171B717A}"/>
+              </a:ext>
+            </a:extLst>
+          </p:cNvPr>
+          <p:cNvSpPr/>
+          <p:nvPr/>
+        </p:nvSpPr>
+        <p:spPr>
+          <a:xfrm>
+            <a:off x="7281859" y="907628"/>
+            <a:ext cx="593161" cy="646811"/>
+          </a:xfrm>
+          <a:prstGeom prst="rect">
+            <a:avLst/>
+          </a:prstGeom>
+        </p:spPr>
+        <p:style>
+          <a:lnRef idx="2">
+            <a:schemeClr val="accent1">
+              <a:shade val="50000"/>
+            </a:schemeClr>
+          </a:lnRef>
+          <a:fillRef idx="1">
+            <a:schemeClr val="accent1"/>
+          </a:fillRef>
+          <a:effectRef idx="0">
+            <a:schemeClr val="accent1"/>
+          </a:effectRef>
+          <a:fontRef idx="minor">
+            <a:schemeClr val="lt1"/>
+          </a:fontRef>
+        </p:style>
+        <p:txBody>
+          <a:bodyPr rtlCol="0" anchor="ctr"/>
+          <a:lstStyle/>
+          <a:p>
+            <a:pPr algn="ctr"/>
+            <a:r>
+              <a:rPr lang="en-US" altLang="ko-KR" dirty="0"/>
+              <a:t>0</a:t>
+            </a:r>
+            <a:endParaRPr lang="ko-KR" altLang="en-US" dirty="0"/>
+          </a:p>
+        </p:txBody>
+      </p:sp>
+      <p:cxnSp>
+        <p:nvCxnSpPr>
+          <p:cNvPr id="16" name="직선 연결선 15">
+            <a:extLst>
+              <a:ext uri="{FF2B5EF4-FFF2-40B4-BE49-F238E27FC236}">
+                <a16:creationId xmlns:a16="http://schemas.microsoft.com/office/drawing/2014/main" id="{AFA4EFF8-00E4-438A-9A88-799EAEC06709}"/>
+              </a:ext>
+            </a:extLst>
+          </p:cNvPr>
+          <p:cNvCxnSpPr>
+            <a:cxnSpLocks/>
+          </p:cNvCxnSpPr>
+          <p:nvPr/>
+        </p:nvCxnSpPr>
+        <p:spPr>
+          <a:xfrm>
+            <a:off x="582328" y="2055633"/>
+            <a:ext cx="4662563" cy="0"/>
+          </a:xfrm>
+          <a:prstGeom prst="line">
+            <a:avLst/>
+          </a:prstGeom>
+        </p:spPr>
+        <p:style>
+          <a:lnRef idx="1">
+            <a:schemeClr val="accent1"/>
+          </a:lnRef>
+          <a:fillRef idx="0">
+            <a:schemeClr val="accent1"/>
+          </a:fillRef>
+          <a:effectRef idx="0">
+            <a:schemeClr val="accent1"/>
+          </a:effectRef>
+          <a:fontRef idx="minor">
+            <a:schemeClr val="tx1"/>
+          </a:fontRef>
+        </p:style>
+      </p:cxnSp>
+      <p:cxnSp>
+        <p:nvCxnSpPr>
+          <p:cNvPr id="17" name="연결선: 꺾임 16">
+            <a:extLst>
+              <a:ext uri="{FF2B5EF4-FFF2-40B4-BE49-F238E27FC236}">
+                <a16:creationId xmlns:a16="http://schemas.microsoft.com/office/drawing/2014/main" id="{62091D80-D7EB-4D40-8E1F-40EDD76525B8}"/>
+              </a:ext>
+            </a:extLst>
+          </p:cNvPr>
+          <p:cNvCxnSpPr>
+            <a:cxnSpLocks/>
+            <a:stCxn id="9" idx="3"/>
+            <a:endCxn id="44" idx="1"/>
+          </p:cNvCxnSpPr>
+          <p:nvPr/>
+        </p:nvCxnSpPr>
+        <p:spPr>
+          <a:xfrm>
+            <a:off x="2356112" y="1069083"/>
+            <a:ext cx="3458950" cy="3414465"/>
+          </a:xfrm>
+          <a:prstGeom prst="bentConnector3">
+            <a:avLst>
+              <a:gd name="adj1" fmla="val 74338"/>
+            </a:avLst>
+          </a:prstGeom>
+          <a:ln>
+            <a:tailEnd type="triangle"/>
+          </a:ln>
+        </p:spPr>
+        <p:style>
+          <a:lnRef idx="2">
+            <a:schemeClr val="accent2"/>
+          </a:lnRef>
+          <a:fillRef idx="0">
+            <a:schemeClr val="accent2"/>
+          </a:fillRef>
+          <a:effectRef idx="1">
+            <a:schemeClr val="accent2"/>
+          </a:effectRef>
+          <a:fontRef idx="minor">
+            <a:schemeClr val="tx1"/>
+          </a:fontRef>
+        </p:style>
+      </p:cxnSp>
+      <p:sp>
+        <p:nvSpPr>
+          <p:cNvPr id="18" name="TextBox 17">
+            <a:extLst>
+              <a:ext uri="{FF2B5EF4-FFF2-40B4-BE49-F238E27FC236}">
+                <a16:creationId xmlns:a16="http://schemas.microsoft.com/office/drawing/2014/main" id="{C3DC395D-EEEB-467E-9562-D415FBF28A84}"/>
+              </a:ext>
+            </a:extLst>
+          </p:cNvPr>
+          <p:cNvSpPr txBox="1"/>
+          <p:nvPr/>
+        </p:nvSpPr>
+        <p:spPr>
+          <a:xfrm>
+            <a:off x="117342" y="4674488"/>
+            <a:ext cx="788565" cy="369332"/>
+          </a:xfrm>
+          <a:prstGeom prst="rect">
+            <a:avLst/>
+          </a:prstGeom>
+          <a:noFill/>
+        </p:spPr>
+        <p:txBody>
+          <a:bodyPr wrap="square" rtlCol="0">
+            <a:spAutoFit/>
+          </a:bodyPr>
+          <a:lstStyle/>
+          <a:p>
+            <a:r>
+              <a:rPr lang="en-US" altLang="ko-KR" dirty="0"/>
+              <a:t>Push</a:t>
+            </a:r>
+            <a:endParaRPr lang="ko-KR" altLang="en-US" dirty="0"/>
+          </a:p>
+        </p:txBody>
+      </p:sp>
+      <p:sp>
+        <p:nvSpPr>
+          <p:cNvPr id="19" name="직사각형 18">
+            <a:extLst>
+              <a:ext uri="{FF2B5EF4-FFF2-40B4-BE49-F238E27FC236}">
+                <a16:creationId xmlns:a16="http://schemas.microsoft.com/office/drawing/2014/main" id="{CED5A499-EFC6-48AA-B9C9-DB9DAA9CE0A7}"/>
+              </a:ext>
+            </a:extLst>
+          </p:cNvPr>
+          <p:cNvSpPr/>
+          <p:nvPr/>
+        </p:nvSpPr>
+        <p:spPr>
+          <a:xfrm>
+            <a:off x="1359556" y="4504178"/>
+            <a:ext cx="788561" cy="662620"/>
+          </a:xfrm>
+          <a:prstGeom prst="rect">
+            <a:avLst/>
+          </a:prstGeom>
+        </p:spPr>
+        <p:style>
+          <a:lnRef idx="2">
+            <a:schemeClr val="accent1">
+              <a:shade val="50000"/>
+            </a:schemeClr>
+          </a:lnRef>
+          <a:fillRef idx="1">
+            <a:schemeClr val="accent1"/>
+          </a:fillRef>
+          <a:effectRef idx="0">
+            <a:schemeClr val="accent1"/>
+          </a:effectRef>
+          <a:fontRef idx="minor">
+            <a:schemeClr val="lt1"/>
+          </a:fontRef>
+        </p:style>
+        <p:txBody>
+          <a:bodyPr rtlCol="0" anchor="ctr"/>
+          <a:lstStyle/>
+          <a:p>
+            <a:pPr algn="ctr"/>
+            <a:endParaRPr lang="ko-KR" altLang="en-US" dirty="0"/>
+          </a:p>
+        </p:txBody>
+      </p:sp>
+      <p:sp>
+        <p:nvSpPr>
+          <p:cNvPr id="20" name="TextBox 19">
+            <a:extLst>
+              <a:ext uri="{FF2B5EF4-FFF2-40B4-BE49-F238E27FC236}">
+                <a16:creationId xmlns:a16="http://schemas.microsoft.com/office/drawing/2014/main" id="{17786459-7CC6-4B41-BA82-72D096B13A52}"/>
+              </a:ext>
+            </a:extLst>
+          </p:cNvPr>
+          <p:cNvSpPr txBox="1"/>
+          <p:nvPr/>
+        </p:nvSpPr>
+        <p:spPr>
+          <a:xfrm>
+            <a:off x="1464313" y="5150234"/>
+            <a:ext cx="683803" cy="369332"/>
+          </a:xfrm>
+          <a:prstGeom prst="rect">
+            <a:avLst/>
+          </a:prstGeom>
+          <a:noFill/>
+        </p:spPr>
+        <p:txBody>
+          <a:bodyPr wrap="square" rtlCol="0">
+            <a:spAutoFit/>
+          </a:bodyPr>
+          <a:lstStyle/>
+          <a:p>
+            <a:r>
+              <a:rPr lang="en-US" altLang="ko-KR" dirty="0"/>
+              <a:t>top</a:t>
+            </a:r>
+            <a:endParaRPr lang="ko-KR" altLang="en-US" dirty="0"/>
+          </a:p>
+        </p:txBody>
+      </p:sp>
+      <p:cxnSp>
+        <p:nvCxnSpPr>
+          <p:cNvPr id="21" name="직선 연결선 20">
+            <a:extLst>
+              <a:ext uri="{FF2B5EF4-FFF2-40B4-BE49-F238E27FC236}">
+                <a16:creationId xmlns:a16="http://schemas.microsoft.com/office/drawing/2014/main" id="{E3663F3A-467C-44DA-9424-4F3DCB9C29F2}"/>
+              </a:ext>
+            </a:extLst>
+          </p:cNvPr>
+          <p:cNvCxnSpPr>
+            <a:cxnSpLocks/>
+          </p:cNvCxnSpPr>
+          <p:nvPr/>
+        </p:nvCxnSpPr>
+        <p:spPr>
+          <a:xfrm>
+            <a:off x="375241" y="5555167"/>
+            <a:ext cx="4662563" cy="0"/>
+          </a:xfrm>
+          <a:prstGeom prst="line">
+            <a:avLst/>
+          </a:prstGeom>
+        </p:spPr>
+        <p:style>
+          <a:lnRef idx="1">
+            <a:schemeClr val="accent1"/>
+          </a:lnRef>
+          <a:fillRef idx="0">
+            <a:schemeClr val="accent1"/>
+          </a:fillRef>
+          <a:effectRef idx="0">
+            <a:schemeClr val="accent1"/>
+          </a:effectRef>
+          <a:fontRef idx="minor">
+            <a:schemeClr val="tx1"/>
+          </a:fontRef>
+        </p:style>
+      </p:cxnSp>
+      <p:sp>
+        <p:nvSpPr>
+          <p:cNvPr id="22" name="직사각형 21">
+            <a:extLst>
+              <a:ext uri="{FF2B5EF4-FFF2-40B4-BE49-F238E27FC236}">
+                <a16:creationId xmlns:a16="http://schemas.microsoft.com/office/drawing/2014/main" id="{BF571A8A-2534-43BF-BBC6-75D1E67BAA00}"/>
+              </a:ext>
+            </a:extLst>
+          </p:cNvPr>
+          <p:cNvSpPr/>
+          <p:nvPr/>
+        </p:nvSpPr>
+        <p:spPr>
+          <a:xfrm>
+            <a:off x="3984819" y="4474570"/>
+            <a:ext cx="788561" cy="662620"/>
+          </a:xfrm>
+          <a:prstGeom prst="rect">
+            <a:avLst/>
+          </a:prstGeom>
+        </p:spPr>
+        <p:style>
+          <a:lnRef idx="2">
+            <a:schemeClr val="accent1">
+              <a:shade val="50000"/>
+            </a:schemeClr>
+          </a:lnRef>
+          <a:fillRef idx="1">
+            <a:schemeClr val="accent1"/>
+          </a:fillRef>
+          <a:effectRef idx="0">
+            <a:schemeClr val="accent1"/>
+          </a:effectRef>
+          <a:fontRef idx="minor">
+            <a:schemeClr val="lt1"/>
+          </a:fontRef>
+        </p:style>
+        <p:txBody>
+          <a:bodyPr rtlCol="0" anchor="ctr"/>
+          <a:lstStyle/>
+          <a:p>
+            <a:pPr algn="ctr"/>
+            <a:endParaRPr lang="ko-KR" altLang="en-US" dirty="0"/>
+          </a:p>
+        </p:txBody>
+      </p:sp>
+      <p:sp>
+        <p:nvSpPr>
+          <p:cNvPr id="23" name="TextBox 22">
+            <a:extLst>
+              <a:ext uri="{FF2B5EF4-FFF2-40B4-BE49-F238E27FC236}">
+                <a16:creationId xmlns:a16="http://schemas.microsoft.com/office/drawing/2014/main" id="{65656FE6-5DFC-4F53-AE7A-DF3BBA05E2FB}"/>
+              </a:ext>
+            </a:extLst>
+          </p:cNvPr>
+          <p:cNvSpPr txBox="1"/>
+          <p:nvPr/>
+        </p:nvSpPr>
+        <p:spPr>
+          <a:xfrm>
+            <a:off x="4089576" y="5120626"/>
+            <a:ext cx="683803" cy="369332"/>
+          </a:xfrm>
+          <a:prstGeom prst="rect">
+            <a:avLst/>
+          </a:prstGeom>
+          <a:noFill/>
+        </p:spPr>
+        <p:txBody>
+          <a:bodyPr wrap="square" rtlCol="0">
+            <a:spAutoFit/>
+          </a:bodyPr>
+          <a:lstStyle/>
+          <a:p>
+            <a:r>
+              <a:rPr lang="en-US" altLang="ko-KR" dirty="0" err="1"/>
+              <a:t>tmp</a:t>
+            </a:r>
+            <a:endParaRPr lang="ko-KR" altLang="en-US" dirty="0"/>
+          </a:p>
+        </p:txBody>
+      </p:sp>
+      <p:cxnSp>
+        <p:nvCxnSpPr>
+          <p:cNvPr id="24" name="직선 연결선 23">
+            <a:extLst>
+              <a:ext uri="{FF2B5EF4-FFF2-40B4-BE49-F238E27FC236}">
+                <a16:creationId xmlns:a16="http://schemas.microsoft.com/office/drawing/2014/main" id="{359EF1B6-9A02-437F-88A8-3818F81051B3}"/>
+              </a:ext>
+            </a:extLst>
+          </p:cNvPr>
+          <p:cNvCxnSpPr>
+            <a:cxnSpLocks/>
+          </p:cNvCxnSpPr>
+          <p:nvPr/>
+        </p:nvCxnSpPr>
+        <p:spPr>
+          <a:xfrm>
+            <a:off x="375241" y="6669965"/>
+            <a:ext cx="4662563" cy="0"/>
+          </a:xfrm>
+          <a:prstGeom prst="line">
+            <a:avLst/>
+          </a:prstGeom>
+        </p:spPr>
+        <p:style>
+          <a:lnRef idx="1">
+            <a:schemeClr val="accent1"/>
+          </a:lnRef>
+          <a:fillRef idx="0">
+            <a:schemeClr val="accent1"/>
+          </a:fillRef>
+          <a:effectRef idx="0">
+            <a:schemeClr val="accent1"/>
+          </a:effectRef>
+          <a:fontRef idx="minor">
+            <a:schemeClr val="tx1"/>
+          </a:fontRef>
+        </p:style>
+      </p:cxnSp>
+      <p:sp>
+        <p:nvSpPr>
+          <p:cNvPr id="25" name="TextBox 24">
+            <a:extLst>
+              <a:ext uri="{FF2B5EF4-FFF2-40B4-BE49-F238E27FC236}">
+                <a16:creationId xmlns:a16="http://schemas.microsoft.com/office/drawing/2014/main" id="{C3E68388-0615-4C13-BD8A-6E009B8761BE}"/>
+              </a:ext>
+            </a:extLst>
+          </p:cNvPr>
+          <p:cNvSpPr txBox="1"/>
+          <p:nvPr/>
+        </p:nvSpPr>
+        <p:spPr>
+          <a:xfrm>
+            <a:off x="-55378" y="5940813"/>
+            <a:ext cx="1165563" cy="369332"/>
+          </a:xfrm>
+          <a:prstGeom prst="rect">
+            <a:avLst/>
+          </a:prstGeom>
+          <a:noFill/>
+        </p:spPr>
+        <p:txBody>
+          <a:bodyPr wrap="square" rtlCol="0">
+            <a:spAutoFit/>
+          </a:bodyPr>
+          <a:lstStyle/>
+          <a:p>
+            <a:r>
+              <a:rPr lang="en-US" altLang="ko-KR" dirty="0" err="1"/>
+              <a:t>GetNode</a:t>
+            </a:r>
+            <a:endParaRPr lang="ko-KR" altLang="en-US" dirty="0"/>
+          </a:p>
+        </p:txBody>
+      </p:sp>
+      <p:sp>
+        <p:nvSpPr>
+          <p:cNvPr id="26" name="직사각형 25">
+            <a:extLst>
+              <a:ext uri="{FF2B5EF4-FFF2-40B4-BE49-F238E27FC236}">
+                <a16:creationId xmlns:a16="http://schemas.microsoft.com/office/drawing/2014/main" id="{322FCBAA-E2EB-493D-A04F-C2471F11637B}"/>
+              </a:ext>
+            </a:extLst>
+          </p:cNvPr>
+          <p:cNvSpPr/>
+          <p:nvPr/>
+        </p:nvSpPr>
+        <p:spPr>
+          <a:xfrm>
+            <a:off x="1008176" y="5636844"/>
+            <a:ext cx="788561" cy="662620"/>
+          </a:xfrm>
+          <a:prstGeom prst="rect">
+            <a:avLst/>
+          </a:prstGeom>
+        </p:spPr>
+        <p:style>
+          <a:lnRef idx="2">
+            <a:schemeClr val="accent1">
+              <a:shade val="50000"/>
+            </a:schemeClr>
+          </a:lnRef>
+          <a:fillRef idx="1">
+            <a:schemeClr val="accent1"/>
+          </a:fillRef>
+          <a:effectRef idx="0">
+            <a:schemeClr val="accent1"/>
+          </a:effectRef>
+          <a:fontRef idx="minor">
+            <a:schemeClr val="lt1"/>
+          </a:fontRef>
+        </p:style>
+        <p:txBody>
+          <a:bodyPr rtlCol="0" anchor="ctr"/>
+          <a:lstStyle/>
+          <a:p>
+            <a:pPr algn="ctr"/>
+            <a:endParaRPr lang="ko-KR" altLang="en-US" dirty="0"/>
+          </a:p>
+        </p:txBody>
+      </p:sp>
+      <p:sp>
+        <p:nvSpPr>
+          <p:cNvPr id="27" name="TextBox 26">
+            <a:extLst>
+              <a:ext uri="{FF2B5EF4-FFF2-40B4-BE49-F238E27FC236}">
+                <a16:creationId xmlns:a16="http://schemas.microsoft.com/office/drawing/2014/main" id="{10FB6B35-9245-46B3-9BD0-EBDF8F76B3CD}"/>
+              </a:ext>
+            </a:extLst>
+          </p:cNvPr>
+          <p:cNvSpPr txBox="1"/>
+          <p:nvPr/>
+        </p:nvSpPr>
+        <p:spPr>
+          <a:xfrm>
+            <a:off x="1112933" y="6282900"/>
+            <a:ext cx="683803" cy="369332"/>
+          </a:xfrm>
+          <a:prstGeom prst="rect">
+            <a:avLst/>
+          </a:prstGeom>
+          <a:noFill/>
+        </p:spPr>
+        <p:txBody>
+          <a:bodyPr wrap="square" rtlCol="0">
+            <a:spAutoFit/>
+          </a:bodyPr>
+          <a:lstStyle/>
+          <a:p>
+            <a:r>
+              <a:rPr lang="en-US" altLang="ko-KR" dirty="0" err="1"/>
+              <a:t>tmp</a:t>
+            </a:r>
+            <a:endParaRPr lang="ko-KR" altLang="en-US" dirty="0"/>
+          </a:p>
+        </p:txBody>
+      </p:sp>
+      <p:sp>
+        <p:nvSpPr>
+          <p:cNvPr id="28" name="TextBox 27">
+            <a:extLst>
+              <a:ext uri="{FF2B5EF4-FFF2-40B4-BE49-F238E27FC236}">
+                <a16:creationId xmlns:a16="http://schemas.microsoft.com/office/drawing/2014/main" id="{8B6F8605-1590-4EE4-9146-915B1D7613A6}"/>
+              </a:ext>
+            </a:extLst>
+          </p:cNvPr>
+          <p:cNvSpPr txBox="1"/>
+          <p:nvPr/>
+        </p:nvSpPr>
+        <p:spPr>
+          <a:xfrm>
+            <a:off x="5815062" y="2344364"/>
+            <a:ext cx="2398320" cy="1210771"/>
+          </a:xfrm>
+          <a:prstGeom prst="rect">
+            <a:avLst/>
+          </a:prstGeom>
+        </p:spPr>
+        <p:style>
+          <a:lnRef idx="2">
+            <a:schemeClr val="dk1"/>
+          </a:lnRef>
+          <a:fillRef idx="1">
+            <a:schemeClr val="lt1"/>
+          </a:fillRef>
+          <a:effectRef idx="0">
+            <a:schemeClr val="dk1"/>
+          </a:effectRef>
+          <a:fontRef idx="minor">
+            <a:schemeClr val="dk1"/>
+          </a:fontRef>
+        </p:style>
+        <p:txBody>
+          <a:bodyPr wrap="square" rtlCol="0">
+            <a:spAutoFit/>
+          </a:bodyPr>
+          <a:lstStyle/>
+          <a:p>
+            <a:endParaRPr lang="ko-KR" altLang="en-US" dirty="0"/>
+          </a:p>
+        </p:txBody>
+      </p:sp>
+      <p:sp>
+        <p:nvSpPr>
+          <p:cNvPr id="29" name="TextBox 28">
+            <a:extLst>
+              <a:ext uri="{FF2B5EF4-FFF2-40B4-BE49-F238E27FC236}">
+                <a16:creationId xmlns:a16="http://schemas.microsoft.com/office/drawing/2014/main" id="{3EE6EA9D-014B-445B-9843-6AE4D22AFEA3}"/>
+              </a:ext>
+            </a:extLst>
+          </p:cNvPr>
+          <p:cNvSpPr txBox="1"/>
+          <p:nvPr/>
+        </p:nvSpPr>
+        <p:spPr>
+          <a:xfrm>
+            <a:off x="6172456" y="3040753"/>
+            <a:ext cx="778311" cy="369332"/>
+          </a:xfrm>
+          <a:prstGeom prst="rect">
+            <a:avLst/>
+          </a:prstGeom>
+          <a:noFill/>
+        </p:spPr>
+        <p:txBody>
+          <a:bodyPr wrap="square" rtlCol="0">
+            <a:spAutoFit/>
+          </a:bodyPr>
+          <a:lstStyle/>
+          <a:p>
+            <a:r>
+              <a:rPr lang="en-US" altLang="ko-KR" dirty="0"/>
+              <a:t>data</a:t>
+            </a:r>
+            <a:endParaRPr lang="ko-KR" altLang="en-US" dirty="0"/>
+          </a:p>
+        </p:txBody>
+      </p:sp>
+      <p:sp>
+        <p:nvSpPr>
+          <p:cNvPr id="30" name="직사각형 29">
+            <a:extLst>
+              <a:ext uri="{FF2B5EF4-FFF2-40B4-BE49-F238E27FC236}">
+                <a16:creationId xmlns:a16="http://schemas.microsoft.com/office/drawing/2014/main" id="{1515DA31-0E40-4C35-AB36-571E5AE8032C}"/>
+              </a:ext>
+            </a:extLst>
+          </p:cNvPr>
+          <p:cNvSpPr/>
+          <p:nvPr/>
+        </p:nvSpPr>
+        <p:spPr>
+          <a:xfrm>
+            <a:off x="6120147" y="2461774"/>
+            <a:ext cx="788561" cy="662620"/>
+          </a:xfrm>
+          <a:prstGeom prst="rect">
+            <a:avLst/>
+          </a:prstGeom>
+        </p:spPr>
+        <p:style>
+          <a:lnRef idx="2">
+            <a:schemeClr val="accent1">
+              <a:shade val="50000"/>
+            </a:schemeClr>
+          </a:lnRef>
+          <a:fillRef idx="1">
+            <a:schemeClr val="accent1"/>
+          </a:fillRef>
+          <a:effectRef idx="0">
+            <a:schemeClr val="accent1"/>
+          </a:effectRef>
+          <a:fontRef idx="minor">
+            <a:schemeClr val="lt1"/>
+          </a:fontRef>
+        </p:style>
+        <p:txBody>
+          <a:bodyPr rtlCol="0" anchor="ctr"/>
+          <a:lstStyle/>
+          <a:p>
+            <a:pPr algn="ctr"/>
+            <a:r>
+              <a:rPr lang="en-US" altLang="ko-KR" dirty="0"/>
+              <a:t>20</a:t>
+            </a:r>
+            <a:endParaRPr lang="ko-KR" altLang="en-US" dirty="0"/>
+          </a:p>
+        </p:txBody>
+      </p:sp>
+      <p:sp>
+        <p:nvSpPr>
+          <p:cNvPr id="31" name="TextBox 30">
+            <a:extLst>
+              <a:ext uri="{FF2B5EF4-FFF2-40B4-BE49-F238E27FC236}">
+                <a16:creationId xmlns:a16="http://schemas.microsoft.com/office/drawing/2014/main" id="{D133FCFF-0C9E-4F5A-84B8-E27D884BB705}"/>
+              </a:ext>
+            </a:extLst>
+          </p:cNvPr>
+          <p:cNvSpPr txBox="1"/>
+          <p:nvPr/>
+        </p:nvSpPr>
+        <p:spPr>
+          <a:xfrm>
+            <a:off x="7325713" y="3179991"/>
+            <a:ext cx="593160" cy="369332"/>
+          </a:xfrm>
+          <a:prstGeom prst="rect">
+            <a:avLst/>
+          </a:prstGeom>
+          <a:noFill/>
+        </p:spPr>
+        <p:txBody>
+          <a:bodyPr wrap="square" rtlCol="0">
+            <a:spAutoFit/>
+          </a:bodyPr>
+          <a:lstStyle/>
+          <a:p>
+            <a:r>
+              <a:rPr lang="en-US" altLang="ko-KR" dirty="0"/>
+              <a:t>link</a:t>
+            </a:r>
+            <a:endParaRPr lang="ko-KR" altLang="en-US" dirty="0"/>
+          </a:p>
+        </p:txBody>
+      </p:sp>
+      <p:sp>
+        <p:nvSpPr>
+          <p:cNvPr id="32" name="직사각형 31">
+            <a:extLst>
+              <a:ext uri="{FF2B5EF4-FFF2-40B4-BE49-F238E27FC236}">
+                <a16:creationId xmlns:a16="http://schemas.microsoft.com/office/drawing/2014/main" id="{3C77D104-5CA6-4515-8348-D098609D1BC8}"/>
+              </a:ext>
+            </a:extLst>
+          </p:cNvPr>
+          <p:cNvSpPr/>
+          <p:nvPr/>
+        </p:nvSpPr>
+        <p:spPr>
+          <a:xfrm>
+            <a:off x="7270755" y="2473549"/>
+            <a:ext cx="778311" cy="646811"/>
+          </a:xfrm>
+          <a:prstGeom prst="rect">
+            <a:avLst/>
+          </a:prstGeom>
+        </p:spPr>
+        <p:style>
+          <a:lnRef idx="2">
+            <a:schemeClr val="accent1">
+              <a:shade val="50000"/>
+            </a:schemeClr>
+          </a:lnRef>
+          <a:fillRef idx="1">
+            <a:schemeClr val="accent1"/>
+          </a:fillRef>
+          <a:effectRef idx="0">
+            <a:schemeClr val="accent1"/>
+          </a:effectRef>
+          <a:fontRef idx="minor">
+            <a:schemeClr val="lt1"/>
+          </a:fontRef>
+        </p:style>
+        <p:txBody>
+          <a:bodyPr rtlCol="0" anchor="ctr"/>
+          <a:lstStyle/>
+          <a:p>
+            <a:pPr algn="ctr"/>
+            <a:endParaRPr lang="ko-KR" altLang="en-US" dirty="0"/>
+          </a:p>
+        </p:txBody>
+      </p:sp>
+      <p:cxnSp>
+        <p:nvCxnSpPr>
+          <p:cNvPr id="34" name="연결선: 꺾임 33">
+            <a:extLst>
+              <a:ext uri="{FF2B5EF4-FFF2-40B4-BE49-F238E27FC236}">
+                <a16:creationId xmlns:a16="http://schemas.microsoft.com/office/drawing/2014/main" id="{679041F8-DAAD-4A9D-9399-EAB22F021F48}"/>
+              </a:ext>
+            </a:extLst>
+          </p:cNvPr>
+          <p:cNvCxnSpPr>
+            <a:cxnSpLocks/>
+            <a:stCxn id="22" idx="3"/>
+            <a:endCxn id="28" idx="1"/>
+          </p:cNvCxnSpPr>
+          <p:nvPr/>
+        </p:nvCxnSpPr>
+        <p:spPr>
+          <a:xfrm flipV="1">
+            <a:off x="4773380" y="2949750"/>
+            <a:ext cx="1041682" cy="1856130"/>
+          </a:xfrm>
+          <a:prstGeom prst="bentConnector3">
+            <a:avLst>
+              <a:gd name="adj1" fmla="val 62540"/>
+            </a:avLst>
+          </a:prstGeom>
+          <a:ln>
+            <a:tailEnd type="triangle"/>
+          </a:ln>
+        </p:spPr>
+        <p:style>
+          <a:lnRef idx="2">
+            <a:schemeClr val="accent2"/>
+          </a:lnRef>
+          <a:fillRef idx="0">
+            <a:schemeClr val="accent2"/>
+          </a:fillRef>
+          <a:effectRef idx="1">
+            <a:schemeClr val="accent2"/>
+          </a:effectRef>
+          <a:fontRef idx="minor">
+            <a:schemeClr val="tx1"/>
+          </a:fontRef>
+        </p:style>
+      </p:cxnSp>
+      <p:sp>
+        <p:nvSpPr>
+          <p:cNvPr id="35" name="사각형: 둥근 모서리 34">
+            <a:extLst>
+              <a:ext uri="{FF2B5EF4-FFF2-40B4-BE49-F238E27FC236}">
+                <a16:creationId xmlns:a16="http://schemas.microsoft.com/office/drawing/2014/main" id="{11BD3889-B02D-4465-B60F-84B17DB92D12}"/>
+              </a:ext>
+            </a:extLst>
+          </p:cNvPr>
+          <p:cNvSpPr/>
+          <p:nvPr/>
+        </p:nvSpPr>
+        <p:spPr>
+          <a:xfrm>
+            <a:off x="49368" y="112746"/>
+            <a:ext cx="1387543" cy="307231"/>
+          </a:xfrm>
+          <a:prstGeom prst="roundRect">
+            <a:avLst/>
+          </a:prstGeom>
+        </p:spPr>
+        <p:style>
+          <a:lnRef idx="2">
+            <a:schemeClr val="accent1">
+              <a:shade val="50000"/>
+            </a:schemeClr>
+          </a:lnRef>
+          <a:fillRef idx="1">
+            <a:schemeClr val="accent1"/>
+          </a:fillRef>
+          <a:effectRef idx="0">
+            <a:schemeClr val="accent1"/>
+          </a:effectRef>
+          <a:fontRef idx="minor">
+            <a:schemeClr val="lt1"/>
+          </a:fontRef>
+        </p:style>
+        <p:txBody>
+          <a:bodyPr rtlCol="0" anchor="ctr"/>
+          <a:lstStyle/>
+          <a:p>
+            <a:pPr algn="ctr"/>
+            <a:r>
+              <a:rPr lang="en-US" altLang="ko-KR" dirty="0"/>
+              <a:t>Push</a:t>
+            </a:r>
+            <a:r>
+              <a:rPr lang="ko-KR" altLang="en-US" dirty="0"/>
+              <a:t> </a:t>
+            </a:r>
+            <a:r>
+              <a:rPr lang="en-US" altLang="ko-KR" dirty="0"/>
+              <a:t>3</a:t>
+            </a:r>
+            <a:endParaRPr lang="ko-KR" altLang="en-US" dirty="0"/>
+          </a:p>
+        </p:txBody>
+      </p:sp>
+      <p:cxnSp>
+        <p:nvCxnSpPr>
+          <p:cNvPr id="36" name="연결선: 꺾임 35">
+            <a:extLst>
+              <a:ext uri="{FF2B5EF4-FFF2-40B4-BE49-F238E27FC236}">
+                <a16:creationId xmlns:a16="http://schemas.microsoft.com/office/drawing/2014/main" id="{A7B6F243-77DD-47E0-81DC-127BD7DDE672}"/>
+              </a:ext>
+            </a:extLst>
+          </p:cNvPr>
+          <p:cNvCxnSpPr>
+            <a:cxnSpLocks/>
+            <a:stCxn id="32" idx="3"/>
+            <a:endCxn id="11" idx="3"/>
+          </p:cNvCxnSpPr>
+          <p:nvPr/>
+        </p:nvCxnSpPr>
+        <p:spPr>
+          <a:xfrm flipV="1">
+            <a:off x="8049066" y="1383829"/>
+            <a:ext cx="146392" cy="1413126"/>
+          </a:xfrm>
+          <a:prstGeom prst="bentConnector3">
+            <a:avLst>
+              <a:gd name="adj1" fmla="val 256156"/>
+            </a:avLst>
+          </a:prstGeom>
+          <a:ln>
+            <a:tailEnd type="triangle"/>
+          </a:ln>
+        </p:spPr>
+        <p:style>
+          <a:lnRef idx="2">
+            <a:schemeClr val="accent2"/>
+          </a:lnRef>
+          <a:fillRef idx="0">
+            <a:schemeClr val="accent2"/>
+          </a:fillRef>
+          <a:effectRef idx="1">
+            <a:schemeClr val="accent2"/>
+          </a:effectRef>
+          <a:fontRef idx="minor">
+            <a:schemeClr val="tx1"/>
+          </a:fontRef>
+        </p:style>
+      </p:cxnSp>
+      <p:sp>
+        <p:nvSpPr>
+          <p:cNvPr id="37" name="직사각형 36">
+            <a:extLst>
+              <a:ext uri="{FF2B5EF4-FFF2-40B4-BE49-F238E27FC236}">
+                <a16:creationId xmlns:a16="http://schemas.microsoft.com/office/drawing/2014/main" id="{C45B26A4-3010-441F-9181-8F44845705A4}"/>
+              </a:ext>
+            </a:extLst>
+          </p:cNvPr>
+          <p:cNvSpPr/>
+          <p:nvPr/>
+        </p:nvSpPr>
+        <p:spPr>
+          <a:xfrm>
+            <a:off x="2606392" y="4504178"/>
+            <a:ext cx="788561" cy="662620"/>
+          </a:xfrm>
+          <a:prstGeom prst="rect">
+            <a:avLst/>
+          </a:prstGeom>
+        </p:spPr>
+        <p:style>
+          <a:lnRef idx="2">
+            <a:schemeClr val="accent1">
+              <a:shade val="50000"/>
+            </a:schemeClr>
+          </a:lnRef>
+          <a:fillRef idx="1">
+            <a:schemeClr val="accent1"/>
+          </a:fillRef>
+          <a:effectRef idx="0">
+            <a:schemeClr val="accent1"/>
+          </a:effectRef>
+          <a:fontRef idx="minor">
+            <a:schemeClr val="lt1"/>
+          </a:fontRef>
+        </p:style>
+        <p:txBody>
+          <a:bodyPr rtlCol="0" anchor="ctr"/>
+          <a:lstStyle/>
+          <a:p>
+            <a:pPr algn="ctr"/>
+            <a:r>
+              <a:rPr lang="en-US" altLang="ko-KR" dirty="0"/>
+              <a:t>30</a:t>
+            </a:r>
+            <a:endParaRPr lang="ko-KR" altLang="en-US" dirty="0"/>
+          </a:p>
+        </p:txBody>
+      </p:sp>
+      <p:sp>
+        <p:nvSpPr>
+          <p:cNvPr id="38" name="TextBox 37">
+            <a:extLst>
+              <a:ext uri="{FF2B5EF4-FFF2-40B4-BE49-F238E27FC236}">
+                <a16:creationId xmlns:a16="http://schemas.microsoft.com/office/drawing/2014/main" id="{0D2DCAAF-FB3F-411C-9018-3407FEE359FB}"/>
+              </a:ext>
+            </a:extLst>
+          </p:cNvPr>
+          <p:cNvSpPr txBox="1"/>
+          <p:nvPr/>
+        </p:nvSpPr>
+        <p:spPr>
+          <a:xfrm>
+            <a:off x="2711149" y="5150234"/>
+            <a:ext cx="683803" cy="369332"/>
+          </a:xfrm>
+          <a:prstGeom prst="rect">
+            <a:avLst/>
+          </a:prstGeom>
+          <a:noFill/>
+        </p:spPr>
+        <p:txBody>
+          <a:bodyPr wrap="square" rtlCol="0">
+            <a:spAutoFit/>
+          </a:bodyPr>
+          <a:lstStyle/>
+          <a:p>
+            <a:r>
+              <a:rPr lang="en-US" altLang="ko-KR" dirty="0"/>
+              <a:t>data</a:t>
+            </a:r>
+            <a:endParaRPr lang="ko-KR" altLang="en-US" dirty="0"/>
+          </a:p>
+        </p:txBody>
+      </p:sp>
+      <p:sp>
+        <p:nvSpPr>
+          <p:cNvPr id="44" name="TextBox 43">
+            <a:extLst>
+              <a:ext uri="{FF2B5EF4-FFF2-40B4-BE49-F238E27FC236}">
+                <a16:creationId xmlns:a16="http://schemas.microsoft.com/office/drawing/2014/main" id="{260D65AB-FA9D-48D9-89B6-116E59DD24C6}"/>
+              </a:ext>
+            </a:extLst>
+          </p:cNvPr>
+          <p:cNvSpPr txBox="1"/>
+          <p:nvPr/>
+        </p:nvSpPr>
+        <p:spPr>
+          <a:xfrm>
+            <a:off x="5815062" y="3878162"/>
+            <a:ext cx="2398320" cy="1210771"/>
+          </a:xfrm>
+          <a:prstGeom prst="rect">
+            <a:avLst/>
+          </a:prstGeom>
+        </p:spPr>
+        <p:style>
+          <a:lnRef idx="2">
+            <a:schemeClr val="dk1"/>
+          </a:lnRef>
+          <a:fillRef idx="1">
+            <a:schemeClr val="lt1"/>
+          </a:fillRef>
+          <a:effectRef idx="0">
+            <a:schemeClr val="dk1"/>
+          </a:effectRef>
+          <a:fontRef idx="minor">
+            <a:schemeClr val="dk1"/>
+          </a:fontRef>
+        </p:style>
+        <p:txBody>
+          <a:bodyPr wrap="square" rtlCol="0">
+            <a:spAutoFit/>
+          </a:bodyPr>
+          <a:lstStyle/>
+          <a:p>
+            <a:endParaRPr lang="ko-KR" altLang="en-US" dirty="0"/>
+          </a:p>
+        </p:txBody>
+      </p:sp>
+      <p:sp>
+        <p:nvSpPr>
+          <p:cNvPr id="45" name="TextBox 44">
+            <a:extLst>
+              <a:ext uri="{FF2B5EF4-FFF2-40B4-BE49-F238E27FC236}">
+                <a16:creationId xmlns:a16="http://schemas.microsoft.com/office/drawing/2014/main" id="{9B2A2E19-BD5D-4749-AEDE-53C4C7A620B2}"/>
+              </a:ext>
+            </a:extLst>
+          </p:cNvPr>
+          <p:cNvSpPr txBox="1"/>
+          <p:nvPr/>
+        </p:nvSpPr>
+        <p:spPr>
+          <a:xfrm>
+            <a:off x="6172456" y="4574551"/>
+            <a:ext cx="778311" cy="369332"/>
+          </a:xfrm>
+          <a:prstGeom prst="rect">
+            <a:avLst/>
+          </a:prstGeom>
+          <a:noFill/>
+        </p:spPr>
+        <p:txBody>
+          <a:bodyPr wrap="square" rtlCol="0">
+            <a:spAutoFit/>
+          </a:bodyPr>
+          <a:lstStyle/>
+          <a:p>
+            <a:r>
+              <a:rPr lang="en-US" altLang="ko-KR" dirty="0"/>
+              <a:t>data</a:t>
+            </a:r>
+            <a:endParaRPr lang="ko-KR" altLang="en-US" dirty="0"/>
+          </a:p>
+        </p:txBody>
+      </p:sp>
+      <p:sp>
+        <p:nvSpPr>
+          <p:cNvPr id="46" name="직사각형 45">
+            <a:extLst>
+              <a:ext uri="{FF2B5EF4-FFF2-40B4-BE49-F238E27FC236}">
+                <a16:creationId xmlns:a16="http://schemas.microsoft.com/office/drawing/2014/main" id="{1D940B80-678A-4366-885A-729F135DBEB0}"/>
+              </a:ext>
+            </a:extLst>
+          </p:cNvPr>
+          <p:cNvSpPr/>
+          <p:nvPr/>
+        </p:nvSpPr>
+        <p:spPr>
+          <a:xfrm>
+            <a:off x="6120147" y="3995572"/>
+            <a:ext cx="788561" cy="662620"/>
+          </a:xfrm>
+          <a:prstGeom prst="rect">
+            <a:avLst/>
+          </a:prstGeom>
+        </p:spPr>
+        <p:style>
+          <a:lnRef idx="2">
+            <a:schemeClr val="accent1">
+              <a:shade val="50000"/>
+            </a:schemeClr>
+          </a:lnRef>
+          <a:fillRef idx="1">
+            <a:schemeClr val="accent1"/>
+          </a:fillRef>
+          <a:effectRef idx="0">
+            <a:schemeClr val="accent1"/>
+          </a:effectRef>
+          <a:fontRef idx="minor">
+            <a:schemeClr val="lt1"/>
+          </a:fontRef>
+        </p:style>
+        <p:txBody>
+          <a:bodyPr rtlCol="0" anchor="ctr"/>
+          <a:lstStyle/>
+          <a:p>
+            <a:pPr algn="ctr"/>
+            <a:r>
+              <a:rPr lang="en-US" altLang="ko-KR" dirty="0"/>
+              <a:t>30</a:t>
+            </a:r>
+            <a:endParaRPr lang="ko-KR" altLang="en-US" dirty="0"/>
+          </a:p>
+        </p:txBody>
+      </p:sp>
+      <p:sp>
+        <p:nvSpPr>
+          <p:cNvPr id="47" name="TextBox 46">
+            <a:extLst>
+              <a:ext uri="{FF2B5EF4-FFF2-40B4-BE49-F238E27FC236}">
+                <a16:creationId xmlns:a16="http://schemas.microsoft.com/office/drawing/2014/main" id="{682140E7-B4E1-42EF-96CB-6FA3DEDBA05B}"/>
+              </a:ext>
+            </a:extLst>
+          </p:cNvPr>
+          <p:cNvSpPr txBox="1"/>
+          <p:nvPr/>
+        </p:nvSpPr>
+        <p:spPr>
+          <a:xfrm>
+            <a:off x="7325713" y="4713789"/>
+            <a:ext cx="593160" cy="369332"/>
+          </a:xfrm>
+          <a:prstGeom prst="rect">
+            <a:avLst/>
+          </a:prstGeom>
+          <a:noFill/>
+        </p:spPr>
+        <p:txBody>
+          <a:bodyPr wrap="square" rtlCol="0">
+            <a:spAutoFit/>
+          </a:bodyPr>
+          <a:lstStyle/>
+          <a:p>
+            <a:r>
+              <a:rPr lang="en-US" altLang="ko-KR" dirty="0"/>
+              <a:t>link</a:t>
+            </a:r>
+            <a:endParaRPr lang="ko-KR" altLang="en-US" dirty="0"/>
+          </a:p>
+        </p:txBody>
+      </p:sp>
+      <p:sp>
+        <p:nvSpPr>
+          <p:cNvPr id="48" name="직사각형 47">
+            <a:extLst>
+              <a:ext uri="{FF2B5EF4-FFF2-40B4-BE49-F238E27FC236}">
+                <a16:creationId xmlns:a16="http://schemas.microsoft.com/office/drawing/2014/main" id="{F2705148-720A-4AD2-BA46-645EA4F84999}"/>
+              </a:ext>
+            </a:extLst>
+          </p:cNvPr>
+          <p:cNvSpPr/>
+          <p:nvPr/>
+        </p:nvSpPr>
+        <p:spPr>
+          <a:xfrm>
+            <a:off x="7270755" y="4007347"/>
+            <a:ext cx="778311" cy="646811"/>
+          </a:xfrm>
+          <a:prstGeom prst="rect">
+            <a:avLst/>
+          </a:prstGeom>
+        </p:spPr>
+        <p:style>
+          <a:lnRef idx="2">
+            <a:schemeClr val="accent1">
+              <a:shade val="50000"/>
+            </a:schemeClr>
+          </a:lnRef>
+          <a:fillRef idx="1">
+            <a:schemeClr val="accent1"/>
+          </a:fillRef>
+          <a:effectRef idx="0">
+            <a:schemeClr val="accent1"/>
+          </a:effectRef>
+          <a:fontRef idx="minor">
+            <a:schemeClr val="lt1"/>
+          </a:fontRef>
+        </p:style>
+        <p:txBody>
+          <a:bodyPr rtlCol="0" anchor="ctr"/>
+          <a:lstStyle/>
+          <a:p>
+            <a:pPr algn="ctr"/>
+            <a:endParaRPr lang="ko-KR" altLang="en-US" dirty="0"/>
+          </a:p>
+        </p:txBody>
+      </p:sp>
+      <p:cxnSp>
+        <p:nvCxnSpPr>
+          <p:cNvPr id="49" name="연결선: 꺾임 48">
+            <a:extLst>
+              <a:ext uri="{FF2B5EF4-FFF2-40B4-BE49-F238E27FC236}">
+                <a16:creationId xmlns:a16="http://schemas.microsoft.com/office/drawing/2014/main" id="{69E7BECF-9773-4BF9-AF7A-F6822F685112}"/>
+              </a:ext>
+            </a:extLst>
+          </p:cNvPr>
+          <p:cNvCxnSpPr>
+            <a:cxnSpLocks/>
+            <a:stCxn id="19" idx="1"/>
+            <a:endCxn id="9" idx="1"/>
+          </p:cNvCxnSpPr>
+          <p:nvPr/>
+        </p:nvCxnSpPr>
+        <p:spPr>
+          <a:xfrm rot="10800000" flipH="1">
+            <a:off x="1359555" y="1069084"/>
+            <a:ext cx="207995" cy="3766405"/>
+          </a:xfrm>
+          <a:prstGeom prst="bentConnector3">
+            <a:avLst>
+              <a:gd name="adj1" fmla="val -109906"/>
+            </a:avLst>
+          </a:prstGeom>
+          <a:ln>
+            <a:tailEnd type="triangle"/>
+          </a:ln>
+        </p:spPr>
+        <p:style>
+          <a:lnRef idx="2">
+            <a:schemeClr val="accent2"/>
+          </a:lnRef>
+          <a:fillRef idx="0">
+            <a:schemeClr val="accent2"/>
+          </a:fillRef>
+          <a:effectRef idx="1">
+            <a:schemeClr val="accent2"/>
+          </a:effectRef>
+          <a:fontRef idx="minor">
+            <a:schemeClr val="tx1"/>
+          </a:fontRef>
+        </p:style>
+      </p:cxnSp>
+      <p:cxnSp>
+        <p:nvCxnSpPr>
+          <p:cNvPr id="57" name="연결선: 꺾임 56">
+            <a:extLst>
+              <a:ext uri="{FF2B5EF4-FFF2-40B4-BE49-F238E27FC236}">
+                <a16:creationId xmlns:a16="http://schemas.microsoft.com/office/drawing/2014/main" id="{650F84D2-B23A-4899-B76E-C9C34E2B7B30}"/>
+              </a:ext>
+            </a:extLst>
+          </p:cNvPr>
+          <p:cNvCxnSpPr>
+            <a:cxnSpLocks/>
+            <a:stCxn id="48" idx="3"/>
+            <a:endCxn id="28" idx="3"/>
+          </p:cNvCxnSpPr>
+          <p:nvPr/>
+        </p:nvCxnSpPr>
+        <p:spPr>
+          <a:xfrm flipV="1">
+            <a:off x="8049066" y="2949750"/>
+            <a:ext cx="164316" cy="1381003"/>
+          </a:xfrm>
+          <a:prstGeom prst="bentConnector3">
+            <a:avLst>
+              <a:gd name="adj1" fmla="val 239122"/>
+            </a:avLst>
+          </a:prstGeom>
+          <a:ln>
+            <a:tailEnd type="triangle"/>
+          </a:ln>
+        </p:spPr>
+        <p:style>
+          <a:lnRef idx="2">
+            <a:schemeClr val="accent2"/>
+          </a:lnRef>
+          <a:fillRef idx="0">
+            <a:schemeClr val="accent2"/>
+          </a:fillRef>
+          <a:effectRef idx="1">
+            <a:schemeClr val="accent2"/>
+          </a:effectRef>
+          <a:fontRef idx="minor">
+            <a:schemeClr val="tx1"/>
+          </a:fontRef>
+        </p:style>
+      </p:cxnSp>
+      <p:cxnSp>
+        <p:nvCxnSpPr>
+          <p:cNvPr id="62" name="연결선: 꺾임 61">
+            <a:extLst>
+              <a:ext uri="{FF2B5EF4-FFF2-40B4-BE49-F238E27FC236}">
+                <a16:creationId xmlns:a16="http://schemas.microsoft.com/office/drawing/2014/main" id="{7B4B99F5-D8A5-47D7-A23C-A4E90D624C01}"/>
+              </a:ext>
+            </a:extLst>
+          </p:cNvPr>
+          <p:cNvCxnSpPr>
+            <a:cxnSpLocks/>
+            <a:stCxn id="26" idx="3"/>
+            <a:endCxn id="44" idx="2"/>
+          </p:cNvCxnSpPr>
+          <p:nvPr/>
+        </p:nvCxnSpPr>
+        <p:spPr>
+          <a:xfrm flipV="1">
+            <a:off x="1796737" y="5088933"/>
+            <a:ext cx="5217485" cy="879221"/>
+          </a:xfrm>
+          <a:prstGeom prst="bentConnector2">
+            <a:avLst/>
+          </a:prstGeom>
+          <a:ln>
+            <a:tailEnd type="triangle"/>
+          </a:ln>
+        </p:spPr>
+        <p:style>
+          <a:lnRef idx="2">
+            <a:schemeClr val="accent2"/>
+          </a:lnRef>
+          <a:fillRef idx="0">
+            <a:schemeClr val="accent2"/>
+          </a:fillRef>
+          <a:effectRef idx="1">
+            <a:schemeClr val="accent2"/>
+          </a:effectRef>
+          <a:fontRef idx="minor">
+            <a:schemeClr val="tx1"/>
+          </a:fontRef>
+        </p:style>
+      </p:cxnSp>
+    </p:spTree>
+    <p:extLst>
+      <p:ext uri="{BB962C8B-B14F-4D97-AF65-F5344CB8AC3E}">
+        <p14:creationId xmlns:p14="http://schemas.microsoft.com/office/powerpoint/2010/main" val="520020853"/>
+      </p:ext>
+    </p:extLst>
+  </p:cSld>
+  <p:clrMapOvr>
+    <a:masterClrMapping/>
+  </p:clrMapOvr>
+</p:sld>
+</file>
+
+<file path=ppt/slides/slide4.xml><?xml version="1.0" encoding="utf-8"?>
+<p:sld xmlns:a="http://schemas.openxmlformats.org/drawingml/2006/main" xmlns:r="http://schemas.openxmlformats.org/officeDocument/2006/relationships" xmlns:p="http://schemas.openxmlformats.org/presentationml/2006/main">
+  <p:cSld>
+    <p:spTree>
+      <p:nvGrpSpPr>
+        <p:cNvPr id="1" name=""/>
+        <p:cNvGrpSpPr/>
+        <p:nvPr/>
+      </p:nvGrpSpPr>
+      <p:grpSpPr>
+        <a:xfrm>
+          <a:off x="0" y="0"/>
+          <a:ext cx="0" cy="0"/>
+          <a:chOff x="0" y="0"/>
+          <a:chExt cx="0" cy="0"/>
+        </a:xfrm>
+      </p:grpSpPr>
+      <p:sp>
+        <p:nvSpPr>
+          <p:cNvPr id="5" name="TextBox 4">
+            <a:extLst>
+              <a:ext uri="{FF2B5EF4-FFF2-40B4-BE49-F238E27FC236}">
+                <a16:creationId xmlns:a16="http://schemas.microsoft.com/office/drawing/2014/main" id="{48D4ADB4-053A-4C37-A8FB-3C1553712B9E}"/>
+              </a:ext>
+            </a:extLst>
+          </p:cNvPr>
+          <p:cNvSpPr txBox="1"/>
+          <p:nvPr/>
+        </p:nvSpPr>
+        <p:spPr>
+          <a:xfrm>
+            <a:off x="1646528" y="31676"/>
+            <a:ext cx="788565" cy="369332"/>
+          </a:xfrm>
+          <a:prstGeom prst="rect">
+            <a:avLst/>
+          </a:prstGeom>
+          <a:noFill/>
+        </p:spPr>
+        <p:txBody>
+          <a:bodyPr wrap="square" rtlCol="0">
+            <a:spAutoFit/>
+          </a:bodyPr>
+          <a:lstStyle/>
+          <a:p>
+            <a:r>
+              <a:rPr lang="en-US" altLang="ko-KR" dirty="0"/>
+              <a:t>Stack</a:t>
+            </a:r>
+            <a:endParaRPr lang="ko-KR" altLang="en-US" dirty="0"/>
+          </a:p>
+        </p:txBody>
+      </p:sp>
+      <p:sp>
+        <p:nvSpPr>
+          <p:cNvPr id="6" name="TextBox 5">
+            <a:extLst>
+              <a:ext uri="{FF2B5EF4-FFF2-40B4-BE49-F238E27FC236}">
+                <a16:creationId xmlns:a16="http://schemas.microsoft.com/office/drawing/2014/main" id="{5EE9A5EF-8747-457A-B08E-1C6894903215}"/>
+              </a:ext>
+            </a:extLst>
+          </p:cNvPr>
+          <p:cNvSpPr txBox="1"/>
+          <p:nvPr/>
+        </p:nvSpPr>
+        <p:spPr>
+          <a:xfrm>
+            <a:off x="6511280" y="0"/>
+            <a:ext cx="788565" cy="369332"/>
+          </a:xfrm>
+          <a:prstGeom prst="rect">
+            <a:avLst/>
+          </a:prstGeom>
+          <a:noFill/>
+        </p:spPr>
+        <p:txBody>
+          <a:bodyPr wrap="square" rtlCol="0">
+            <a:spAutoFit/>
+          </a:bodyPr>
+          <a:lstStyle/>
+          <a:p>
+            <a:r>
+              <a:rPr lang="en-US" altLang="ko-KR" dirty="0"/>
+              <a:t>Heap</a:t>
+            </a:r>
+            <a:endParaRPr lang="ko-KR" altLang="en-US" dirty="0"/>
+          </a:p>
+        </p:txBody>
+      </p:sp>
+      <p:cxnSp>
+        <p:nvCxnSpPr>
+          <p:cNvPr id="7" name="직선 연결선 6">
+            <a:extLst>
+              <a:ext uri="{FF2B5EF4-FFF2-40B4-BE49-F238E27FC236}">
+                <a16:creationId xmlns:a16="http://schemas.microsoft.com/office/drawing/2014/main" id="{FB3B12BF-799C-4F16-BA81-3DC0C7DFF62D}"/>
+              </a:ext>
+            </a:extLst>
+          </p:cNvPr>
+          <p:cNvCxnSpPr>
+            <a:cxnSpLocks/>
+          </p:cNvCxnSpPr>
+          <p:nvPr/>
+        </p:nvCxnSpPr>
+        <p:spPr>
+          <a:xfrm>
+            <a:off x="735183" y="521834"/>
+            <a:ext cx="11233219" cy="0"/>
+          </a:xfrm>
+          <a:prstGeom prst="line">
+            <a:avLst/>
+          </a:prstGeom>
+        </p:spPr>
+        <p:style>
+          <a:lnRef idx="1">
+            <a:schemeClr val="accent1"/>
+          </a:lnRef>
+          <a:fillRef idx="0">
+            <a:schemeClr val="accent1"/>
+          </a:fillRef>
+          <a:effectRef idx="0">
+            <a:schemeClr val="accent1"/>
+          </a:effectRef>
+          <a:fontRef idx="minor">
+            <a:schemeClr val="tx1"/>
+          </a:fontRef>
+        </p:style>
+      </p:cxnSp>
+      <p:cxnSp>
+        <p:nvCxnSpPr>
+          <p:cNvPr id="8" name="직선 연결선 7">
+            <a:extLst>
+              <a:ext uri="{FF2B5EF4-FFF2-40B4-BE49-F238E27FC236}">
+                <a16:creationId xmlns:a16="http://schemas.microsoft.com/office/drawing/2014/main" id="{DA64CA54-217B-4FCC-8511-D4C75C514925}"/>
+              </a:ext>
+            </a:extLst>
+          </p:cNvPr>
+          <p:cNvCxnSpPr>
+            <a:cxnSpLocks/>
+          </p:cNvCxnSpPr>
+          <p:nvPr/>
+        </p:nvCxnSpPr>
+        <p:spPr>
+          <a:xfrm>
+            <a:off x="5245345" y="202479"/>
+            <a:ext cx="0" cy="6627839"/>
+          </a:xfrm>
+          <a:prstGeom prst="line">
+            <a:avLst/>
+          </a:prstGeom>
+        </p:spPr>
+        <p:style>
+          <a:lnRef idx="1">
+            <a:schemeClr val="accent1"/>
+          </a:lnRef>
+          <a:fillRef idx="0">
+            <a:schemeClr val="accent1"/>
+          </a:fillRef>
+          <a:effectRef idx="0">
+            <a:schemeClr val="accent1"/>
+          </a:effectRef>
+          <a:fontRef idx="minor">
+            <a:schemeClr val="tx1"/>
+          </a:fontRef>
+        </p:style>
+      </p:cxnSp>
+      <p:sp>
+        <p:nvSpPr>
+          <p:cNvPr id="9" name="TextBox 8">
+            <a:extLst>
+              <a:ext uri="{FF2B5EF4-FFF2-40B4-BE49-F238E27FC236}">
+                <a16:creationId xmlns:a16="http://schemas.microsoft.com/office/drawing/2014/main" id="{4813E117-275B-417E-BBA7-BEABFF550523}"/>
+              </a:ext>
+            </a:extLst>
+          </p:cNvPr>
+          <p:cNvSpPr txBox="1"/>
+          <p:nvPr/>
+        </p:nvSpPr>
+        <p:spPr>
+          <a:xfrm>
+            <a:off x="301613" y="927584"/>
+            <a:ext cx="788565" cy="369332"/>
+          </a:xfrm>
+          <a:prstGeom prst="rect">
+            <a:avLst/>
+          </a:prstGeom>
+          <a:noFill/>
+        </p:spPr>
+        <p:txBody>
+          <a:bodyPr wrap="square" rtlCol="0">
+            <a:spAutoFit/>
+          </a:bodyPr>
+          <a:lstStyle/>
+          <a:p>
+            <a:r>
+              <a:rPr lang="en-US" altLang="ko-KR" dirty="0"/>
+              <a:t>main</a:t>
+            </a:r>
+            <a:endParaRPr lang="ko-KR" altLang="en-US" dirty="0"/>
+          </a:p>
+        </p:txBody>
+      </p:sp>
+      <p:sp>
+        <p:nvSpPr>
+          <p:cNvPr id="10" name="직사각형 9">
+            <a:extLst>
+              <a:ext uri="{FF2B5EF4-FFF2-40B4-BE49-F238E27FC236}">
+                <a16:creationId xmlns:a16="http://schemas.microsoft.com/office/drawing/2014/main" id="{F27C4754-F9E7-4863-941D-7CEADA5EBB5C}"/>
+              </a:ext>
+            </a:extLst>
+          </p:cNvPr>
+          <p:cNvSpPr/>
+          <p:nvPr/>
+        </p:nvSpPr>
+        <p:spPr>
+          <a:xfrm>
+            <a:off x="1567551" y="737773"/>
+            <a:ext cx="788561" cy="662620"/>
+          </a:xfrm>
+          <a:prstGeom prst="rect">
+            <a:avLst/>
+          </a:prstGeom>
+        </p:spPr>
+        <p:style>
+          <a:lnRef idx="2">
+            <a:schemeClr val="accent1">
+              <a:shade val="50000"/>
+            </a:schemeClr>
+          </a:lnRef>
+          <a:fillRef idx="1">
+            <a:schemeClr val="accent1"/>
+          </a:fillRef>
+          <a:effectRef idx="0">
+            <a:schemeClr val="accent1"/>
+          </a:effectRef>
+          <a:fontRef idx="minor">
+            <a:schemeClr val="lt1"/>
+          </a:fontRef>
+        </p:style>
+        <p:txBody>
+          <a:bodyPr rtlCol="0" anchor="ctr"/>
+          <a:lstStyle/>
+          <a:p>
+            <a:pPr algn="ctr"/>
+            <a:r>
+              <a:rPr lang="en-US" altLang="ko-KR" dirty="0" err="1"/>
+              <a:t>tmp</a:t>
+            </a:r>
+            <a:endParaRPr lang="ko-KR" altLang="en-US" dirty="0"/>
+          </a:p>
+        </p:txBody>
+      </p:sp>
+      <p:sp>
+        <p:nvSpPr>
+          <p:cNvPr id="11" name="TextBox 10">
+            <a:extLst>
+              <a:ext uri="{FF2B5EF4-FFF2-40B4-BE49-F238E27FC236}">
+                <a16:creationId xmlns:a16="http://schemas.microsoft.com/office/drawing/2014/main" id="{0231C340-D660-4D5A-B369-1086DA075E00}"/>
+              </a:ext>
+            </a:extLst>
+          </p:cNvPr>
+          <p:cNvSpPr txBox="1"/>
+          <p:nvPr/>
+        </p:nvSpPr>
+        <p:spPr>
+          <a:xfrm>
+            <a:off x="1672308" y="1383829"/>
+            <a:ext cx="683803" cy="369332"/>
+          </a:xfrm>
+          <a:prstGeom prst="rect">
+            <a:avLst/>
+          </a:prstGeom>
+          <a:noFill/>
+        </p:spPr>
+        <p:txBody>
+          <a:bodyPr wrap="square" rtlCol="0">
+            <a:spAutoFit/>
+          </a:bodyPr>
+          <a:lstStyle/>
+          <a:p>
+            <a:r>
+              <a:rPr lang="en-US" altLang="ko-KR" dirty="0"/>
+              <a:t>top</a:t>
+            </a:r>
+            <a:endParaRPr lang="ko-KR" altLang="en-US" dirty="0"/>
+          </a:p>
+        </p:txBody>
+      </p:sp>
+      <p:sp>
+        <p:nvSpPr>
+          <p:cNvPr id="12" name="TextBox 11">
+            <a:extLst>
+              <a:ext uri="{FF2B5EF4-FFF2-40B4-BE49-F238E27FC236}">
+                <a16:creationId xmlns:a16="http://schemas.microsoft.com/office/drawing/2014/main" id="{A4423EF6-28BB-4900-A168-FD346490BCB6}"/>
+              </a:ext>
+            </a:extLst>
+          </p:cNvPr>
+          <p:cNvSpPr txBox="1"/>
+          <p:nvPr/>
+        </p:nvSpPr>
+        <p:spPr>
+          <a:xfrm>
+            <a:off x="5797138" y="778443"/>
+            <a:ext cx="2398320" cy="1210771"/>
+          </a:xfrm>
+          <a:prstGeom prst="rect">
+            <a:avLst/>
+          </a:prstGeom>
+        </p:spPr>
+        <p:style>
+          <a:lnRef idx="2">
+            <a:schemeClr val="dk1"/>
+          </a:lnRef>
+          <a:fillRef idx="1">
+            <a:schemeClr val="lt1"/>
+          </a:fillRef>
+          <a:effectRef idx="0">
+            <a:schemeClr val="dk1"/>
+          </a:effectRef>
+          <a:fontRef idx="minor">
+            <a:schemeClr val="dk1"/>
+          </a:fontRef>
+        </p:style>
+        <p:txBody>
+          <a:bodyPr wrap="square" rtlCol="0">
+            <a:spAutoFit/>
+          </a:bodyPr>
+          <a:lstStyle/>
+          <a:p>
+            <a:endParaRPr lang="ko-KR" altLang="en-US" dirty="0"/>
+          </a:p>
+        </p:txBody>
+      </p:sp>
+      <p:sp>
+        <p:nvSpPr>
+          <p:cNvPr id="13" name="TextBox 12">
+            <a:extLst>
+              <a:ext uri="{FF2B5EF4-FFF2-40B4-BE49-F238E27FC236}">
+                <a16:creationId xmlns:a16="http://schemas.microsoft.com/office/drawing/2014/main" id="{8468DBE6-3653-4676-AA77-F468CBA2D2D3}"/>
+              </a:ext>
+            </a:extLst>
+          </p:cNvPr>
+          <p:cNvSpPr txBox="1"/>
+          <p:nvPr/>
+        </p:nvSpPr>
+        <p:spPr>
+          <a:xfrm>
+            <a:off x="6154532" y="1474832"/>
+            <a:ext cx="778311" cy="369332"/>
+          </a:xfrm>
+          <a:prstGeom prst="rect">
+            <a:avLst/>
+          </a:prstGeom>
+          <a:noFill/>
+        </p:spPr>
+        <p:txBody>
+          <a:bodyPr wrap="square" rtlCol="0">
+            <a:spAutoFit/>
+          </a:bodyPr>
+          <a:lstStyle/>
+          <a:p>
+            <a:r>
+              <a:rPr lang="en-US" altLang="ko-KR" dirty="0"/>
+              <a:t>data</a:t>
+            </a:r>
+            <a:endParaRPr lang="ko-KR" altLang="en-US" dirty="0"/>
+          </a:p>
+        </p:txBody>
+      </p:sp>
+      <p:sp>
+        <p:nvSpPr>
+          <p:cNvPr id="14" name="직사각형 13">
+            <a:extLst>
+              <a:ext uri="{FF2B5EF4-FFF2-40B4-BE49-F238E27FC236}">
+                <a16:creationId xmlns:a16="http://schemas.microsoft.com/office/drawing/2014/main" id="{3B211135-37F2-4F58-95C6-988C1BB266E9}"/>
+              </a:ext>
+            </a:extLst>
+          </p:cNvPr>
+          <p:cNvSpPr/>
+          <p:nvPr/>
+        </p:nvSpPr>
+        <p:spPr>
+          <a:xfrm>
+            <a:off x="6102223" y="895853"/>
+            <a:ext cx="788561" cy="662620"/>
+          </a:xfrm>
+          <a:prstGeom prst="rect">
+            <a:avLst/>
+          </a:prstGeom>
+        </p:spPr>
+        <p:style>
+          <a:lnRef idx="2">
+            <a:schemeClr val="accent1">
+              <a:shade val="50000"/>
+            </a:schemeClr>
+          </a:lnRef>
+          <a:fillRef idx="1">
+            <a:schemeClr val="accent1"/>
+          </a:fillRef>
+          <a:effectRef idx="0">
+            <a:schemeClr val="accent1"/>
+          </a:effectRef>
+          <a:fontRef idx="minor">
+            <a:schemeClr val="lt1"/>
+          </a:fontRef>
+        </p:style>
+        <p:txBody>
+          <a:bodyPr rtlCol="0" anchor="ctr"/>
+          <a:lstStyle/>
+          <a:p>
+            <a:pPr algn="ctr"/>
+            <a:r>
+              <a:rPr lang="en-US" altLang="ko-KR" dirty="0"/>
+              <a:t>10</a:t>
+            </a:r>
+            <a:endParaRPr lang="ko-KR" altLang="en-US" dirty="0"/>
+          </a:p>
+        </p:txBody>
+      </p:sp>
+      <p:sp>
+        <p:nvSpPr>
+          <p:cNvPr id="15" name="TextBox 14">
+            <a:extLst>
+              <a:ext uri="{FF2B5EF4-FFF2-40B4-BE49-F238E27FC236}">
+                <a16:creationId xmlns:a16="http://schemas.microsoft.com/office/drawing/2014/main" id="{BBD6279B-E700-4BC7-B6AC-BA09A8CC72AD}"/>
+              </a:ext>
+            </a:extLst>
+          </p:cNvPr>
+          <p:cNvSpPr txBox="1"/>
+          <p:nvPr/>
+        </p:nvSpPr>
+        <p:spPr>
+          <a:xfrm>
+            <a:off x="7307789" y="1614070"/>
+            <a:ext cx="593160" cy="369332"/>
+          </a:xfrm>
+          <a:prstGeom prst="rect">
+            <a:avLst/>
+          </a:prstGeom>
+          <a:noFill/>
+        </p:spPr>
+        <p:txBody>
+          <a:bodyPr wrap="square" rtlCol="0">
+            <a:spAutoFit/>
+          </a:bodyPr>
+          <a:lstStyle/>
+          <a:p>
+            <a:r>
+              <a:rPr lang="en-US" altLang="ko-KR" dirty="0"/>
+              <a:t>link</a:t>
+            </a:r>
+            <a:endParaRPr lang="ko-KR" altLang="en-US" dirty="0"/>
+          </a:p>
+        </p:txBody>
+      </p:sp>
+      <p:sp>
+        <p:nvSpPr>
+          <p:cNvPr id="16" name="직사각형 15">
+            <a:extLst>
+              <a:ext uri="{FF2B5EF4-FFF2-40B4-BE49-F238E27FC236}">
+                <a16:creationId xmlns:a16="http://schemas.microsoft.com/office/drawing/2014/main" id="{169AF4A9-E8C0-40A9-99F9-04C6CF5F5315}"/>
+              </a:ext>
+            </a:extLst>
+          </p:cNvPr>
+          <p:cNvSpPr/>
+          <p:nvPr/>
+        </p:nvSpPr>
+        <p:spPr>
+          <a:xfrm>
+            <a:off x="7281859" y="907628"/>
+            <a:ext cx="593161" cy="646811"/>
+          </a:xfrm>
+          <a:prstGeom prst="rect">
+            <a:avLst/>
+          </a:prstGeom>
+        </p:spPr>
+        <p:style>
+          <a:lnRef idx="2">
+            <a:schemeClr val="accent1">
+              <a:shade val="50000"/>
+            </a:schemeClr>
+          </a:lnRef>
+          <a:fillRef idx="1">
+            <a:schemeClr val="accent1"/>
+          </a:fillRef>
+          <a:effectRef idx="0">
+            <a:schemeClr val="accent1"/>
+          </a:effectRef>
+          <a:fontRef idx="minor">
+            <a:schemeClr val="lt1"/>
+          </a:fontRef>
+        </p:style>
+        <p:txBody>
+          <a:bodyPr rtlCol="0" anchor="ctr"/>
+          <a:lstStyle/>
+          <a:p>
+            <a:pPr algn="ctr"/>
+            <a:r>
+              <a:rPr lang="en-US" altLang="ko-KR" dirty="0"/>
+              <a:t>0</a:t>
+            </a:r>
+            <a:endParaRPr lang="ko-KR" altLang="en-US" dirty="0"/>
+          </a:p>
+        </p:txBody>
+      </p:sp>
+      <p:cxnSp>
+        <p:nvCxnSpPr>
+          <p:cNvPr id="17" name="직선 연결선 16">
+            <a:extLst>
+              <a:ext uri="{FF2B5EF4-FFF2-40B4-BE49-F238E27FC236}">
+                <a16:creationId xmlns:a16="http://schemas.microsoft.com/office/drawing/2014/main" id="{816B145A-CC99-4E67-BD9B-E672F7AB01C1}"/>
+              </a:ext>
+            </a:extLst>
+          </p:cNvPr>
+          <p:cNvCxnSpPr>
+            <a:cxnSpLocks/>
+          </p:cNvCxnSpPr>
+          <p:nvPr/>
+        </p:nvCxnSpPr>
+        <p:spPr>
+          <a:xfrm>
+            <a:off x="582328" y="1844164"/>
+            <a:ext cx="4662563" cy="0"/>
+          </a:xfrm>
+          <a:prstGeom prst="line">
+            <a:avLst/>
+          </a:prstGeom>
+        </p:spPr>
+        <p:style>
+          <a:lnRef idx="1">
+            <a:schemeClr val="accent1"/>
+          </a:lnRef>
+          <a:fillRef idx="0">
+            <a:schemeClr val="accent1"/>
+          </a:fillRef>
+          <a:effectRef idx="0">
+            <a:schemeClr val="accent1"/>
+          </a:effectRef>
+          <a:fontRef idx="minor">
+            <a:schemeClr val="tx1"/>
+          </a:fontRef>
+        </p:style>
+      </p:cxnSp>
+      <p:cxnSp>
+        <p:nvCxnSpPr>
+          <p:cNvPr id="18" name="연결선: 꺾임 17">
+            <a:extLst>
+              <a:ext uri="{FF2B5EF4-FFF2-40B4-BE49-F238E27FC236}">
+                <a16:creationId xmlns:a16="http://schemas.microsoft.com/office/drawing/2014/main" id="{B7328544-D2ED-4AF5-BFB7-346DC418AFCC}"/>
+              </a:ext>
+            </a:extLst>
+          </p:cNvPr>
+          <p:cNvCxnSpPr>
+            <a:cxnSpLocks/>
+            <a:stCxn id="10" idx="3"/>
+            <a:endCxn id="29" idx="1"/>
+          </p:cNvCxnSpPr>
+          <p:nvPr/>
+        </p:nvCxnSpPr>
+        <p:spPr>
+          <a:xfrm>
+            <a:off x="2356112" y="1069083"/>
+            <a:ext cx="3458950" cy="1880667"/>
+          </a:xfrm>
+          <a:prstGeom prst="bentConnector3">
+            <a:avLst>
+              <a:gd name="adj1" fmla="val 50000"/>
+            </a:avLst>
+          </a:prstGeom>
+          <a:ln>
+            <a:tailEnd type="triangle"/>
+          </a:ln>
+        </p:spPr>
+        <p:style>
+          <a:lnRef idx="2">
+            <a:schemeClr val="accent2"/>
+          </a:lnRef>
+          <a:fillRef idx="0">
+            <a:schemeClr val="accent2"/>
+          </a:fillRef>
+          <a:effectRef idx="1">
+            <a:schemeClr val="accent2"/>
+          </a:effectRef>
+          <a:fontRef idx="minor">
+            <a:schemeClr val="tx1"/>
+          </a:fontRef>
+        </p:style>
+      </p:cxnSp>
+      <p:sp>
+        <p:nvSpPr>
+          <p:cNvPr id="29" name="TextBox 28">
+            <a:extLst>
+              <a:ext uri="{FF2B5EF4-FFF2-40B4-BE49-F238E27FC236}">
+                <a16:creationId xmlns:a16="http://schemas.microsoft.com/office/drawing/2014/main" id="{B2C6669C-03EF-4F7D-9C2D-074D1E481AB4}"/>
+              </a:ext>
+            </a:extLst>
+          </p:cNvPr>
+          <p:cNvSpPr txBox="1"/>
+          <p:nvPr/>
+        </p:nvSpPr>
+        <p:spPr>
+          <a:xfrm>
+            <a:off x="5815062" y="2344364"/>
+            <a:ext cx="2398320" cy="1210771"/>
+          </a:xfrm>
+          <a:prstGeom prst="rect">
+            <a:avLst/>
+          </a:prstGeom>
+        </p:spPr>
+        <p:style>
+          <a:lnRef idx="2">
+            <a:schemeClr val="dk1"/>
+          </a:lnRef>
+          <a:fillRef idx="1">
+            <a:schemeClr val="lt1"/>
+          </a:fillRef>
+          <a:effectRef idx="0">
+            <a:schemeClr val="dk1"/>
+          </a:effectRef>
+          <a:fontRef idx="minor">
+            <a:schemeClr val="dk1"/>
+          </a:fontRef>
+        </p:style>
+        <p:txBody>
+          <a:bodyPr wrap="square" rtlCol="0">
+            <a:spAutoFit/>
+          </a:bodyPr>
+          <a:lstStyle/>
+          <a:p>
+            <a:endParaRPr lang="ko-KR" altLang="en-US" dirty="0"/>
+          </a:p>
+        </p:txBody>
+      </p:sp>
+      <p:sp>
+        <p:nvSpPr>
+          <p:cNvPr id="30" name="TextBox 29">
+            <a:extLst>
+              <a:ext uri="{FF2B5EF4-FFF2-40B4-BE49-F238E27FC236}">
+                <a16:creationId xmlns:a16="http://schemas.microsoft.com/office/drawing/2014/main" id="{220E3DF2-B686-4542-902B-CD58B821D9AD}"/>
+              </a:ext>
+            </a:extLst>
+          </p:cNvPr>
+          <p:cNvSpPr txBox="1"/>
+          <p:nvPr/>
+        </p:nvSpPr>
+        <p:spPr>
+          <a:xfrm>
+            <a:off x="6172456" y="3040753"/>
+            <a:ext cx="778311" cy="369332"/>
+          </a:xfrm>
+          <a:prstGeom prst="rect">
+            <a:avLst/>
+          </a:prstGeom>
+          <a:noFill/>
+        </p:spPr>
+        <p:txBody>
+          <a:bodyPr wrap="square" rtlCol="0">
+            <a:spAutoFit/>
+          </a:bodyPr>
+          <a:lstStyle/>
+          <a:p>
+            <a:r>
+              <a:rPr lang="en-US" altLang="ko-KR" dirty="0"/>
+              <a:t>data</a:t>
+            </a:r>
+            <a:endParaRPr lang="ko-KR" altLang="en-US" dirty="0"/>
+          </a:p>
+        </p:txBody>
+      </p:sp>
+      <p:sp>
+        <p:nvSpPr>
+          <p:cNvPr id="31" name="직사각형 30">
+            <a:extLst>
+              <a:ext uri="{FF2B5EF4-FFF2-40B4-BE49-F238E27FC236}">
+                <a16:creationId xmlns:a16="http://schemas.microsoft.com/office/drawing/2014/main" id="{A0E49AC8-BC1A-4A8B-9408-551DBB77FA1D}"/>
+              </a:ext>
+            </a:extLst>
+          </p:cNvPr>
+          <p:cNvSpPr/>
+          <p:nvPr/>
+        </p:nvSpPr>
+        <p:spPr>
+          <a:xfrm>
+            <a:off x="6120147" y="2461774"/>
+            <a:ext cx="788561" cy="662620"/>
+          </a:xfrm>
+          <a:prstGeom prst="rect">
+            <a:avLst/>
+          </a:prstGeom>
+        </p:spPr>
+        <p:style>
+          <a:lnRef idx="2">
+            <a:schemeClr val="accent1">
+              <a:shade val="50000"/>
+            </a:schemeClr>
+          </a:lnRef>
+          <a:fillRef idx="1">
+            <a:schemeClr val="accent1"/>
+          </a:fillRef>
+          <a:effectRef idx="0">
+            <a:schemeClr val="accent1"/>
+          </a:effectRef>
+          <a:fontRef idx="minor">
+            <a:schemeClr val="lt1"/>
+          </a:fontRef>
+        </p:style>
+        <p:txBody>
+          <a:bodyPr rtlCol="0" anchor="ctr"/>
+          <a:lstStyle/>
+          <a:p>
+            <a:pPr algn="ctr"/>
+            <a:r>
+              <a:rPr lang="en-US" altLang="ko-KR" dirty="0"/>
+              <a:t>20</a:t>
+            </a:r>
+            <a:endParaRPr lang="ko-KR" altLang="en-US" dirty="0"/>
+          </a:p>
+        </p:txBody>
+      </p:sp>
+      <p:sp>
+        <p:nvSpPr>
+          <p:cNvPr id="32" name="TextBox 31">
+            <a:extLst>
+              <a:ext uri="{FF2B5EF4-FFF2-40B4-BE49-F238E27FC236}">
+                <a16:creationId xmlns:a16="http://schemas.microsoft.com/office/drawing/2014/main" id="{FF2971D3-1D65-4464-AB7E-0E048130EE88}"/>
+              </a:ext>
+            </a:extLst>
+          </p:cNvPr>
+          <p:cNvSpPr txBox="1"/>
+          <p:nvPr/>
+        </p:nvSpPr>
+        <p:spPr>
+          <a:xfrm>
+            <a:off x="7325713" y="3179991"/>
+            <a:ext cx="593160" cy="369332"/>
+          </a:xfrm>
+          <a:prstGeom prst="rect">
+            <a:avLst/>
+          </a:prstGeom>
+          <a:noFill/>
+        </p:spPr>
+        <p:txBody>
+          <a:bodyPr wrap="square" rtlCol="0">
+            <a:spAutoFit/>
+          </a:bodyPr>
+          <a:lstStyle/>
+          <a:p>
+            <a:r>
+              <a:rPr lang="en-US" altLang="ko-KR" dirty="0"/>
+              <a:t>link</a:t>
+            </a:r>
+            <a:endParaRPr lang="ko-KR" altLang="en-US" dirty="0"/>
+          </a:p>
+        </p:txBody>
+      </p:sp>
+      <p:sp>
+        <p:nvSpPr>
+          <p:cNvPr id="33" name="직사각형 32">
+            <a:extLst>
+              <a:ext uri="{FF2B5EF4-FFF2-40B4-BE49-F238E27FC236}">
+                <a16:creationId xmlns:a16="http://schemas.microsoft.com/office/drawing/2014/main" id="{CAD8EFDD-4BDD-45EE-85B7-F7157B1D4462}"/>
+              </a:ext>
+            </a:extLst>
+          </p:cNvPr>
+          <p:cNvSpPr/>
+          <p:nvPr/>
+        </p:nvSpPr>
+        <p:spPr>
+          <a:xfrm>
+            <a:off x="7270755" y="2473549"/>
+            <a:ext cx="778311" cy="646811"/>
+          </a:xfrm>
+          <a:prstGeom prst="rect">
+            <a:avLst/>
+          </a:prstGeom>
+        </p:spPr>
+        <p:style>
+          <a:lnRef idx="2">
+            <a:schemeClr val="accent1">
+              <a:shade val="50000"/>
+            </a:schemeClr>
+          </a:lnRef>
+          <a:fillRef idx="1">
+            <a:schemeClr val="accent1"/>
+          </a:fillRef>
+          <a:effectRef idx="0">
+            <a:schemeClr val="accent1"/>
+          </a:effectRef>
+          <a:fontRef idx="minor">
+            <a:schemeClr val="lt1"/>
+          </a:fontRef>
+        </p:style>
+        <p:txBody>
+          <a:bodyPr rtlCol="0" anchor="ctr"/>
+          <a:lstStyle/>
+          <a:p>
+            <a:pPr algn="ctr"/>
+            <a:endParaRPr lang="ko-KR" altLang="en-US" dirty="0"/>
+          </a:p>
+        </p:txBody>
+      </p:sp>
+      <p:sp>
+        <p:nvSpPr>
+          <p:cNvPr id="35" name="사각형: 둥근 모서리 34">
+            <a:extLst>
+              <a:ext uri="{FF2B5EF4-FFF2-40B4-BE49-F238E27FC236}">
+                <a16:creationId xmlns:a16="http://schemas.microsoft.com/office/drawing/2014/main" id="{A7751BC5-866F-4C2E-B955-E1F25AB0581F}"/>
+              </a:ext>
+            </a:extLst>
+          </p:cNvPr>
+          <p:cNvSpPr/>
+          <p:nvPr/>
+        </p:nvSpPr>
+        <p:spPr>
+          <a:xfrm>
+            <a:off x="49368" y="112746"/>
+            <a:ext cx="1387543" cy="307231"/>
+          </a:xfrm>
+          <a:prstGeom prst="roundRect">
+            <a:avLst/>
+          </a:prstGeom>
+        </p:spPr>
+        <p:style>
+          <a:lnRef idx="2">
+            <a:schemeClr val="accent1">
+              <a:shade val="50000"/>
+            </a:schemeClr>
+          </a:lnRef>
+          <a:fillRef idx="1">
+            <a:schemeClr val="accent1"/>
+          </a:fillRef>
+          <a:effectRef idx="0">
+            <a:schemeClr val="accent1"/>
+          </a:effectRef>
+          <a:fontRef idx="minor">
+            <a:schemeClr val="lt1"/>
+          </a:fontRef>
+        </p:style>
+        <p:txBody>
+          <a:bodyPr rtlCol="0" anchor="ctr"/>
+          <a:lstStyle/>
+          <a:p>
+            <a:pPr algn="ctr"/>
+            <a:r>
+              <a:rPr lang="en-US" altLang="ko-KR" dirty="0"/>
+              <a:t>1</a:t>
+            </a:r>
+            <a:r>
+              <a:rPr lang="ko-KR" altLang="en-US" dirty="0"/>
+              <a:t>번째 </a:t>
+            </a:r>
+            <a:r>
+              <a:rPr lang="en-US" altLang="ko-KR" dirty="0"/>
+              <a:t>Pop</a:t>
+            </a:r>
+            <a:endParaRPr lang="ko-KR" altLang="en-US" dirty="0"/>
+          </a:p>
+        </p:txBody>
+      </p:sp>
+      <p:cxnSp>
+        <p:nvCxnSpPr>
+          <p:cNvPr id="36" name="연결선: 꺾임 35">
+            <a:extLst>
+              <a:ext uri="{FF2B5EF4-FFF2-40B4-BE49-F238E27FC236}">
+                <a16:creationId xmlns:a16="http://schemas.microsoft.com/office/drawing/2014/main" id="{B73E9015-1EAE-404A-96B1-799A2BCF1A62}"/>
+              </a:ext>
+            </a:extLst>
+          </p:cNvPr>
+          <p:cNvCxnSpPr>
+            <a:cxnSpLocks/>
+            <a:stCxn id="33" idx="3"/>
+            <a:endCxn id="12" idx="3"/>
+          </p:cNvCxnSpPr>
+          <p:nvPr/>
+        </p:nvCxnSpPr>
+        <p:spPr>
+          <a:xfrm flipV="1">
+            <a:off x="8049066" y="1383829"/>
+            <a:ext cx="146392" cy="1413126"/>
+          </a:xfrm>
+          <a:prstGeom prst="bentConnector3">
+            <a:avLst>
+              <a:gd name="adj1" fmla="val 256156"/>
+            </a:avLst>
+          </a:prstGeom>
+          <a:ln>
+            <a:tailEnd type="triangle"/>
+          </a:ln>
+        </p:spPr>
+        <p:style>
+          <a:lnRef idx="2">
+            <a:schemeClr val="accent2"/>
+          </a:lnRef>
+          <a:fillRef idx="0">
+            <a:schemeClr val="accent2"/>
+          </a:fillRef>
+          <a:effectRef idx="1">
+            <a:schemeClr val="accent2"/>
+          </a:effectRef>
+          <a:fontRef idx="minor">
+            <a:schemeClr val="tx1"/>
+          </a:fontRef>
+        </p:style>
+      </p:cxnSp>
+      <p:sp>
+        <p:nvSpPr>
+          <p:cNvPr id="39" name="TextBox 38">
+            <a:extLst>
+              <a:ext uri="{FF2B5EF4-FFF2-40B4-BE49-F238E27FC236}">
+                <a16:creationId xmlns:a16="http://schemas.microsoft.com/office/drawing/2014/main" id="{132C4802-63A5-40D0-A94E-981533C90EC5}"/>
+              </a:ext>
+            </a:extLst>
+          </p:cNvPr>
+          <p:cNvSpPr txBox="1"/>
+          <p:nvPr/>
+        </p:nvSpPr>
+        <p:spPr>
+          <a:xfrm>
+            <a:off x="5815062" y="3878162"/>
+            <a:ext cx="2398320" cy="1210771"/>
+          </a:xfrm>
+          <a:prstGeom prst="rect">
+            <a:avLst/>
+          </a:prstGeom>
+        </p:spPr>
+        <p:style>
+          <a:lnRef idx="2">
+            <a:schemeClr val="dk1"/>
+          </a:lnRef>
+          <a:fillRef idx="1">
+            <a:schemeClr val="lt1"/>
+          </a:fillRef>
+          <a:effectRef idx="0">
+            <a:schemeClr val="dk1"/>
+          </a:effectRef>
+          <a:fontRef idx="minor">
+            <a:schemeClr val="dk1"/>
+          </a:fontRef>
+        </p:style>
+        <p:txBody>
+          <a:bodyPr wrap="square" rtlCol="0">
+            <a:spAutoFit/>
+          </a:bodyPr>
+          <a:lstStyle/>
+          <a:p>
+            <a:endParaRPr lang="ko-KR" altLang="en-US" dirty="0"/>
+          </a:p>
+        </p:txBody>
+      </p:sp>
+      <p:sp>
+        <p:nvSpPr>
+          <p:cNvPr id="40" name="TextBox 39">
+            <a:extLst>
+              <a:ext uri="{FF2B5EF4-FFF2-40B4-BE49-F238E27FC236}">
+                <a16:creationId xmlns:a16="http://schemas.microsoft.com/office/drawing/2014/main" id="{A9FDF114-49A9-44AA-9B3E-6E6BA50A700D}"/>
+              </a:ext>
+            </a:extLst>
+          </p:cNvPr>
+          <p:cNvSpPr txBox="1"/>
+          <p:nvPr/>
+        </p:nvSpPr>
+        <p:spPr>
+          <a:xfrm>
+            <a:off x="6172456" y="4574551"/>
+            <a:ext cx="778311" cy="369332"/>
+          </a:xfrm>
+          <a:prstGeom prst="rect">
+            <a:avLst/>
+          </a:prstGeom>
+          <a:noFill/>
+        </p:spPr>
+        <p:txBody>
+          <a:bodyPr wrap="square" rtlCol="0">
+            <a:spAutoFit/>
+          </a:bodyPr>
+          <a:lstStyle/>
+          <a:p>
+            <a:r>
+              <a:rPr lang="en-US" altLang="ko-KR" dirty="0"/>
+              <a:t>data</a:t>
+            </a:r>
+            <a:endParaRPr lang="ko-KR" altLang="en-US" dirty="0"/>
+          </a:p>
+        </p:txBody>
+      </p:sp>
+      <p:sp>
+        <p:nvSpPr>
+          <p:cNvPr id="41" name="직사각형 40">
+            <a:extLst>
+              <a:ext uri="{FF2B5EF4-FFF2-40B4-BE49-F238E27FC236}">
+                <a16:creationId xmlns:a16="http://schemas.microsoft.com/office/drawing/2014/main" id="{53F6E530-1863-477C-9260-2DDEDE8A067F}"/>
+              </a:ext>
+            </a:extLst>
+          </p:cNvPr>
+          <p:cNvSpPr/>
+          <p:nvPr/>
+        </p:nvSpPr>
+        <p:spPr>
+          <a:xfrm>
+            <a:off x="6120147" y="3995572"/>
+            <a:ext cx="788561" cy="662620"/>
+          </a:xfrm>
+          <a:prstGeom prst="rect">
+            <a:avLst/>
+          </a:prstGeom>
+        </p:spPr>
+        <p:style>
+          <a:lnRef idx="2">
+            <a:schemeClr val="accent1">
+              <a:shade val="50000"/>
+            </a:schemeClr>
+          </a:lnRef>
+          <a:fillRef idx="1">
+            <a:schemeClr val="accent1"/>
+          </a:fillRef>
+          <a:effectRef idx="0">
+            <a:schemeClr val="accent1"/>
+          </a:effectRef>
+          <a:fontRef idx="minor">
+            <a:schemeClr val="lt1"/>
+          </a:fontRef>
+        </p:style>
+        <p:txBody>
+          <a:bodyPr rtlCol="0" anchor="ctr"/>
+          <a:lstStyle/>
+          <a:p>
+            <a:pPr algn="ctr"/>
+            <a:r>
+              <a:rPr lang="en-US" altLang="ko-KR" dirty="0"/>
+              <a:t>30</a:t>
+            </a:r>
+            <a:endParaRPr lang="ko-KR" altLang="en-US" dirty="0"/>
+          </a:p>
+        </p:txBody>
+      </p:sp>
+      <p:sp>
+        <p:nvSpPr>
+          <p:cNvPr id="42" name="TextBox 41">
+            <a:extLst>
+              <a:ext uri="{FF2B5EF4-FFF2-40B4-BE49-F238E27FC236}">
+                <a16:creationId xmlns:a16="http://schemas.microsoft.com/office/drawing/2014/main" id="{5C571DD5-3614-4ED3-83C8-F7FE462A7C0E}"/>
+              </a:ext>
+            </a:extLst>
+          </p:cNvPr>
+          <p:cNvSpPr txBox="1"/>
+          <p:nvPr/>
+        </p:nvSpPr>
+        <p:spPr>
+          <a:xfrm>
+            <a:off x="7325713" y="4713789"/>
+            <a:ext cx="593160" cy="369332"/>
+          </a:xfrm>
+          <a:prstGeom prst="rect">
+            <a:avLst/>
+          </a:prstGeom>
+          <a:noFill/>
+        </p:spPr>
+        <p:txBody>
+          <a:bodyPr wrap="square" rtlCol="0">
+            <a:spAutoFit/>
+          </a:bodyPr>
+          <a:lstStyle/>
+          <a:p>
+            <a:r>
+              <a:rPr lang="en-US" altLang="ko-KR" dirty="0"/>
+              <a:t>link</a:t>
+            </a:r>
+            <a:endParaRPr lang="ko-KR" altLang="en-US" dirty="0"/>
+          </a:p>
+        </p:txBody>
+      </p:sp>
+      <p:sp>
+        <p:nvSpPr>
+          <p:cNvPr id="43" name="직사각형 42">
+            <a:extLst>
+              <a:ext uri="{FF2B5EF4-FFF2-40B4-BE49-F238E27FC236}">
+                <a16:creationId xmlns:a16="http://schemas.microsoft.com/office/drawing/2014/main" id="{2A228DC9-BCCC-42A9-879E-5405587CDC41}"/>
+              </a:ext>
+            </a:extLst>
+          </p:cNvPr>
+          <p:cNvSpPr/>
+          <p:nvPr/>
+        </p:nvSpPr>
+        <p:spPr>
+          <a:xfrm>
+            <a:off x="7270755" y="4007347"/>
+            <a:ext cx="778311" cy="646811"/>
+          </a:xfrm>
+          <a:prstGeom prst="rect">
+            <a:avLst/>
+          </a:prstGeom>
+        </p:spPr>
+        <p:style>
+          <a:lnRef idx="2">
+            <a:schemeClr val="accent1">
+              <a:shade val="50000"/>
+            </a:schemeClr>
+          </a:lnRef>
+          <a:fillRef idx="1">
+            <a:schemeClr val="accent1"/>
+          </a:fillRef>
+          <a:effectRef idx="0">
+            <a:schemeClr val="accent1"/>
+          </a:effectRef>
+          <a:fontRef idx="minor">
+            <a:schemeClr val="lt1"/>
+          </a:fontRef>
+        </p:style>
+        <p:txBody>
+          <a:bodyPr rtlCol="0" anchor="ctr"/>
+          <a:lstStyle/>
+          <a:p>
+            <a:pPr algn="ctr"/>
+            <a:endParaRPr lang="ko-KR" altLang="en-US" dirty="0"/>
+          </a:p>
+        </p:txBody>
+      </p:sp>
+      <p:cxnSp>
+        <p:nvCxnSpPr>
+          <p:cNvPr id="45" name="연결선: 꺾임 44">
+            <a:extLst>
+              <a:ext uri="{FF2B5EF4-FFF2-40B4-BE49-F238E27FC236}">
+                <a16:creationId xmlns:a16="http://schemas.microsoft.com/office/drawing/2014/main" id="{DDE933C6-935D-4046-BFE0-5702F3675ECE}"/>
+              </a:ext>
+            </a:extLst>
+          </p:cNvPr>
+          <p:cNvCxnSpPr>
+            <a:cxnSpLocks/>
+            <a:stCxn id="43" idx="3"/>
+            <a:endCxn id="29" idx="3"/>
+          </p:cNvCxnSpPr>
+          <p:nvPr/>
+        </p:nvCxnSpPr>
+        <p:spPr>
+          <a:xfrm flipV="1">
+            <a:off x="8049066" y="2949750"/>
+            <a:ext cx="164316" cy="1381003"/>
+          </a:xfrm>
+          <a:prstGeom prst="bentConnector3">
+            <a:avLst>
+              <a:gd name="adj1" fmla="val 239122"/>
+            </a:avLst>
+          </a:prstGeom>
+          <a:ln>
+            <a:tailEnd type="triangle"/>
+          </a:ln>
+        </p:spPr>
+        <p:style>
+          <a:lnRef idx="2">
+            <a:schemeClr val="accent2"/>
+          </a:lnRef>
+          <a:fillRef idx="0">
+            <a:schemeClr val="accent2"/>
+          </a:fillRef>
+          <a:effectRef idx="1">
+            <a:schemeClr val="accent2"/>
+          </a:effectRef>
+          <a:fontRef idx="minor">
+            <a:schemeClr val="tx1"/>
+          </a:fontRef>
+        </p:style>
+      </p:cxnSp>
+      <p:sp>
+        <p:nvSpPr>
+          <p:cNvPr id="47" name="TextBox 46">
+            <a:extLst>
+              <a:ext uri="{FF2B5EF4-FFF2-40B4-BE49-F238E27FC236}">
+                <a16:creationId xmlns:a16="http://schemas.microsoft.com/office/drawing/2014/main" id="{AE25BE98-F09D-4207-8BA8-10AD56D0CD84}"/>
+              </a:ext>
+            </a:extLst>
+          </p:cNvPr>
+          <p:cNvSpPr txBox="1"/>
+          <p:nvPr/>
+        </p:nvSpPr>
+        <p:spPr>
+          <a:xfrm>
+            <a:off x="301613" y="2071997"/>
+            <a:ext cx="788565" cy="369332"/>
+          </a:xfrm>
+          <a:prstGeom prst="rect">
+            <a:avLst/>
+          </a:prstGeom>
+          <a:noFill/>
+        </p:spPr>
+        <p:txBody>
+          <a:bodyPr wrap="square" rtlCol="0">
+            <a:spAutoFit/>
+          </a:bodyPr>
+          <a:lstStyle/>
+          <a:p>
+            <a:r>
+              <a:rPr lang="en-US" altLang="ko-KR" dirty="0"/>
+              <a:t>Pop</a:t>
+            </a:r>
+            <a:endParaRPr lang="ko-KR" altLang="en-US" dirty="0"/>
+          </a:p>
+        </p:txBody>
+      </p:sp>
+      <p:sp>
+        <p:nvSpPr>
+          <p:cNvPr id="48" name="직사각형 47">
+            <a:extLst>
+              <a:ext uri="{FF2B5EF4-FFF2-40B4-BE49-F238E27FC236}">
+                <a16:creationId xmlns:a16="http://schemas.microsoft.com/office/drawing/2014/main" id="{16E429F1-90B2-4ED5-81EE-BD2DBDA6078C}"/>
+              </a:ext>
+            </a:extLst>
+          </p:cNvPr>
+          <p:cNvSpPr/>
+          <p:nvPr/>
+        </p:nvSpPr>
+        <p:spPr>
+          <a:xfrm>
+            <a:off x="1228081" y="2013054"/>
+            <a:ext cx="788561" cy="662620"/>
+          </a:xfrm>
+          <a:prstGeom prst="rect">
+            <a:avLst/>
+          </a:prstGeom>
+        </p:spPr>
+        <p:style>
+          <a:lnRef idx="2">
+            <a:schemeClr val="accent1">
+              <a:shade val="50000"/>
+            </a:schemeClr>
+          </a:lnRef>
+          <a:fillRef idx="1">
+            <a:schemeClr val="accent1"/>
+          </a:fillRef>
+          <a:effectRef idx="0">
+            <a:schemeClr val="accent1"/>
+          </a:effectRef>
+          <a:fontRef idx="minor">
+            <a:schemeClr val="lt1"/>
+          </a:fontRef>
+        </p:style>
+        <p:txBody>
+          <a:bodyPr rtlCol="0" anchor="ctr"/>
+          <a:lstStyle/>
+          <a:p>
+            <a:pPr algn="ctr"/>
+            <a:endParaRPr lang="ko-KR" altLang="en-US" dirty="0"/>
+          </a:p>
+        </p:txBody>
+      </p:sp>
+      <p:sp>
+        <p:nvSpPr>
+          <p:cNvPr id="49" name="TextBox 48">
+            <a:extLst>
+              <a:ext uri="{FF2B5EF4-FFF2-40B4-BE49-F238E27FC236}">
+                <a16:creationId xmlns:a16="http://schemas.microsoft.com/office/drawing/2014/main" id="{8DA73645-3310-4701-8039-C896F18E23B8}"/>
+              </a:ext>
+            </a:extLst>
+          </p:cNvPr>
+          <p:cNvSpPr txBox="1"/>
+          <p:nvPr/>
+        </p:nvSpPr>
+        <p:spPr>
+          <a:xfrm>
+            <a:off x="1332838" y="2659110"/>
+            <a:ext cx="683803" cy="369332"/>
+          </a:xfrm>
+          <a:prstGeom prst="rect">
+            <a:avLst/>
+          </a:prstGeom>
+          <a:noFill/>
+        </p:spPr>
+        <p:txBody>
+          <a:bodyPr wrap="square" rtlCol="0">
+            <a:spAutoFit/>
+          </a:bodyPr>
+          <a:lstStyle/>
+          <a:p>
+            <a:r>
+              <a:rPr lang="en-US" altLang="ko-KR" dirty="0"/>
+              <a:t>top</a:t>
+            </a:r>
+            <a:endParaRPr lang="ko-KR" altLang="en-US" dirty="0"/>
+          </a:p>
+        </p:txBody>
+      </p:sp>
+      <p:cxnSp>
+        <p:nvCxnSpPr>
+          <p:cNvPr id="50" name="연결선: 꺾임 49">
+            <a:extLst>
+              <a:ext uri="{FF2B5EF4-FFF2-40B4-BE49-F238E27FC236}">
+                <a16:creationId xmlns:a16="http://schemas.microsoft.com/office/drawing/2014/main" id="{B4F5F08B-BBDE-4368-8844-10CF2CAFF78E}"/>
+              </a:ext>
+            </a:extLst>
+          </p:cNvPr>
+          <p:cNvCxnSpPr>
+            <a:cxnSpLocks/>
+            <a:stCxn id="48" idx="1"/>
+            <a:endCxn id="10" idx="1"/>
+          </p:cNvCxnSpPr>
+          <p:nvPr/>
+        </p:nvCxnSpPr>
+        <p:spPr>
+          <a:xfrm rot="10800000" flipH="1">
+            <a:off x="1228081" y="1069084"/>
+            <a:ext cx="339470" cy="1275281"/>
+          </a:xfrm>
+          <a:prstGeom prst="bentConnector3">
+            <a:avLst>
+              <a:gd name="adj1" fmla="val -67340"/>
+            </a:avLst>
+          </a:prstGeom>
+          <a:ln>
+            <a:tailEnd type="triangle"/>
+          </a:ln>
+        </p:spPr>
+        <p:style>
+          <a:lnRef idx="2">
+            <a:schemeClr val="accent2"/>
+          </a:lnRef>
+          <a:fillRef idx="0">
+            <a:schemeClr val="accent2"/>
+          </a:fillRef>
+          <a:effectRef idx="1">
+            <a:schemeClr val="accent2"/>
+          </a:effectRef>
+          <a:fontRef idx="minor">
+            <a:schemeClr val="tx1"/>
+          </a:fontRef>
+        </p:style>
+      </p:cxnSp>
+      <p:sp>
+        <p:nvSpPr>
+          <p:cNvPr id="55" name="직사각형 54">
+            <a:extLst>
+              <a:ext uri="{FF2B5EF4-FFF2-40B4-BE49-F238E27FC236}">
+                <a16:creationId xmlns:a16="http://schemas.microsoft.com/office/drawing/2014/main" id="{D84F1DB3-6552-46BD-ADF6-73D51008769E}"/>
+              </a:ext>
+            </a:extLst>
+          </p:cNvPr>
+          <p:cNvSpPr/>
+          <p:nvPr/>
+        </p:nvSpPr>
+        <p:spPr>
+          <a:xfrm>
+            <a:off x="2230536" y="2028294"/>
+            <a:ext cx="788561" cy="662620"/>
+          </a:xfrm>
+          <a:prstGeom prst="rect">
+            <a:avLst/>
+          </a:prstGeom>
+        </p:spPr>
+        <p:style>
+          <a:lnRef idx="2">
+            <a:schemeClr val="accent1">
+              <a:shade val="50000"/>
+            </a:schemeClr>
+          </a:lnRef>
+          <a:fillRef idx="1">
+            <a:schemeClr val="accent1"/>
+          </a:fillRef>
+          <a:effectRef idx="0">
+            <a:schemeClr val="accent1"/>
+          </a:effectRef>
+          <a:fontRef idx="minor">
+            <a:schemeClr val="lt1"/>
+          </a:fontRef>
+        </p:style>
+        <p:txBody>
+          <a:bodyPr rtlCol="0" anchor="ctr"/>
+          <a:lstStyle/>
+          <a:p>
+            <a:pPr algn="ctr"/>
+            <a:endParaRPr lang="ko-KR" altLang="en-US" dirty="0"/>
+          </a:p>
+        </p:txBody>
+      </p:sp>
+      <p:sp>
+        <p:nvSpPr>
+          <p:cNvPr id="56" name="TextBox 55">
+            <a:extLst>
+              <a:ext uri="{FF2B5EF4-FFF2-40B4-BE49-F238E27FC236}">
+                <a16:creationId xmlns:a16="http://schemas.microsoft.com/office/drawing/2014/main" id="{1B9734E7-4A72-47CC-9B2A-C4FA811214BD}"/>
+              </a:ext>
+            </a:extLst>
+          </p:cNvPr>
+          <p:cNvSpPr txBox="1"/>
+          <p:nvPr/>
+        </p:nvSpPr>
+        <p:spPr>
+          <a:xfrm>
+            <a:off x="2335293" y="2674350"/>
+            <a:ext cx="683803" cy="369332"/>
+          </a:xfrm>
+          <a:prstGeom prst="rect">
+            <a:avLst/>
+          </a:prstGeom>
+          <a:noFill/>
+        </p:spPr>
+        <p:txBody>
+          <a:bodyPr wrap="square" rtlCol="0">
+            <a:spAutoFit/>
+          </a:bodyPr>
+          <a:lstStyle/>
+          <a:p>
+            <a:r>
+              <a:rPr lang="en-US" altLang="ko-KR" dirty="0" err="1"/>
+              <a:t>tmp</a:t>
+            </a:r>
+            <a:endParaRPr lang="ko-KR" altLang="en-US" dirty="0"/>
+          </a:p>
+        </p:txBody>
+      </p:sp>
+      <p:cxnSp>
+        <p:nvCxnSpPr>
+          <p:cNvPr id="57" name="연결선: 꺾임 56">
+            <a:extLst>
+              <a:ext uri="{FF2B5EF4-FFF2-40B4-BE49-F238E27FC236}">
+                <a16:creationId xmlns:a16="http://schemas.microsoft.com/office/drawing/2014/main" id="{D44820E9-3B84-4B0D-AB9A-4814BEC32B10}"/>
+              </a:ext>
+            </a:extLst>
+          </p:cNvPr>
+          <p:cNvCxnSpPr>
+            <a:cxnSpLocks/>
+            <a:stCxn id="55" idx="3"/>
+            <a:endCxn id="39" idx="1"/>
+          </p:cNvCxnSpPr>
+          <p:nvPr/>
+        </p:nvCxnSpPr>
+        <p:spPr>
+          <a:xfrm>
+            <a:off x="3019097" y="2359604"/>
+            <a:ext cx="2795965" cy="2123944"/>
+          </a:xfrm>
+          <a:prstGeom prst="bentConnector3">
+            <a:avLst>
+              <a:gd name="adj1" fmla="val 50000"/>
+            </a:avLst>
+          </a:prstGeom>
+          <a:ln>
+            <a:tailEnd type="triangle"/>
+          </a:ln>
+        </p:spPr>
+        <p:style>
+          <a:lnRef idx="2">
+            <a:schemeClr val="accent2"/>
+          </a:lnRef>
+          <a:fillRef idx="0">
+            <a:schemeClr val="accent2"/>
+          </a:fillRef>
+          <a:effectRef idx="1">
+            <a:schemeClr val="accent2"/>
+          </a:effectRef>
+          <a:fontRef idx="minor">
+            <a:schemeClr val="tx1"/>
+          </a:fontRef>
+        </p:style>
+      </p:cxnSp>
+      <p:sp>
+        <p:nvSpPr>
+          <p:cNvPr id="61" name="곱하기 기호 60">
+            <a:extLst>
+              <a:ext uri="{FF2B5EF4-FFF2-40B4-BE49-F238E27FC236}">
+                <a16:creationId xmlns:a16="http://schemas.microsoft.com/office/drawing/2014/main" id="{D594DB90-863D-4DC1-9837-93C4ACC7A0B1}"/>
+              </a:ext>
+            </a:extLst>
+          </p:cNvPr>
+          <p:cNvSpPr/>
+          <p:nvPr/>
+        </p:nvSpPr>
+        <p:spPr>
+          <a:xfrm>
+            <a:off x="5735468" y="3709561"/>
+            <a:ext cx="2521660" cy="1535180"/>
+          </a:xfrm>
+          <a:prstGeom prst="mathMultiply">
+            <a:avLst/>
+          </a:prstGeom>
+        </p:spPr>
+        <p:style>
+          <a:lnRef idx="2">
+            <a:schemeClr val="accent1">
+              <a:shade val="50000"/>
+            </a:schemeClr>
+          </a:lnRef>
+          <a:fillRef idx="1">
+            <a:schemeClr val="accent1"/>
+          </a:fillRef>
+          <a:effectRef idx="0">
+            <a:schemeClr val="accent1"/>
+          </a:effectRef>
+          <a:fontRef idx="minor">
+            <a:schemeClr val="lt1"/>
+          </a:fontRef>
+        </p:style>
+        <p:txBody>
+          <a:bodyPr rtlCol="0" anchor="ctr"/>
+          <a:lstStyle/>
+          <a:p>
+            <a:pPr algn="ctr"/>
+            <a:endParaRPr lang="ko-KR" altLang="en-US"/>
+          </a:p>
+        </p:txBody>
+      </p:sp>
+      <p:sp>
+        <p:nvSpPr>
+          <p:cNvPr id="65" name="곱하기 기호 64">
+            <a:extLst>
+              <a:ext uri="{FF2B5EF4-FFF2-40B4-BE49-F238E27FC236}">
+                <a16:creationId xmlns:a16="http://schemas.microsoft.com/office/drawing/2014/main" id="{9056BCFF-4BED-4384-BE71-9E598A84F1D3}"/>
+              </a:ext>
+            </a:extLst>
+          </p:cNvPr>
+          <p:cNvSpPr/>
+          <p:nvPr/>
+        </p:nvSpPr>
+        <p:spPr>
+          <a:xfrm>
+            <a:off x="1688235" y="1776546"/>
+            <a:ext cx="1982781" cy="1511335"/>
+          </a:xfrm>
+          <a:prstGeom prst="mathMultiply">
+            <a:avLst/>
+          </a:prstGeom>
+        </p:spPr>
+        <p:style>
+          <a:lnRef idx="2">
+            <a:schemeClr val="accent1">
+              <a:shade val="50000"/>
+            </a:schemeClr>
+          </a:lnRef>
+          <a:fillRef idx="1">
+            <a:schemeClr val="accent1"/>
+          </a:fillRef>
+          <a:effectRef idx="0">
+            <a:schemeClr val="accent1"/>
+          </a:effectRef>
+          <a:fontRef idx="minor">
+            <a:schemeClr val="lt1"/>
+          </a:fontRef>
+        </p:style>
+        <p:txBody>
+          <a:bodyPr rtlCol="0" anchor="ctr"/>
+          <a:lstStyle/>
+          <a:p>
+            <a:pPr algn="ctr"/>
+            <a:endParaRPr lang="ko-KR" altLang="en-US"/>
+          </a:p>
+        </p:txBody>
+      </p:sp>
+    </p:spTree>
+    <p:extLst>
+      <p:ext uri="{BB962C8B-B14F-4D97-AF65-F5344CB8AC3E}">
+        <p14:creationId xmlns:p14="http://schemas.microsoft.com/office/powerpoint/2010/main" val="2414472418"/>
+      </p:ext>
+    </p:extLst>
+  </p:cSld>
+  <p:clrMapOvr>
+    <a:masterClrMapping/>
+  </p:clrMapOvr>
+</p:sld>
+</file>
+
+<file path=ppt/slides/slide5.xml><?xml version="1.0" encoding="utf-8"?>
+<p:sld xmlns:a="http://schemas.openxmlformats.org/drawingml/2006/main" xmlns:r="http://schemas.openxmlformats.org/officeDocument/2006/relationships" xmlns:p="http://schemas.openxmlformats.org/presentationml/2006/main">
+  <p:cSld>
+    <p:spTree>
+      <p:nvGrpSpPr>
+        <p:cNvPr id="1" name=""/>
+        <p:cNvGrpSpPr/>
+        <p:nvPr/>
+      </p:nvGrpSpPr>
+      <p:grpSpPr>
+        <a:xfrm>
+          <a:off x="0" y="0"/>
+          <a:ext cx="0" cy="0"/>
+          <a:chOff x="0" y="0"/>
+          <a:chExt cx="0" cy="0"/>
+        </a:xfrm>
+      </p:grpSpPr>
+      <p:sp>
+        <p:nvSpPr>
+          <p:cNvPr id="5" name="TextBox 4">
+            <a:extLst>
+              <a:ext uri="{FF2B5EF4-FFF2-40B4-BE49-F238E27FC236}">
+                <a16:creationId xmlns:a16="http://schemas.microsoft.com/office/drawing/2014/main" id="{48D4ADB4-053A-4C37-A8FB-3C1553712B9E}"/>
+              </a:ext>
+            </a:extLst>
+          </p:cNvPr>
+          <p:cNvSpPr txBox="1"/>
+          <p:nvPr/>
+        </p:nvSpPr>
+        <p:spPr>
+          <a:xfrm>
+            <a:off x="1646528" y="31676"/>
+            <a:ext cx="788565" cy="369332"/>
+          </a:xfrm>
+          <a:prstGeom prst="rect">
+            <a:avLst/>
+          </a:prstGeom>
+          <a:noFill/>
+        </p:spPr>
+        <p:txBody>
+          <a:bodyPr wrap="square" rtlCol="0">
+            <a:spAutoFit/>
+          </a:bodyPr>
+          <a:lstStyle/>
+          <a:p>
+            <a:r>
+              <a:rPr lang="en-US" altLang="ko-KR" dirty="0"/>
+              <a:t>Stack</a:t>
+            </a:r>
+            <a:endParaRPr lang="ko-KR" altLang="en-US" dirty="0"/>
+          </a:p>
+        </p:txBody>
+      </p:sp>
+      <p:sp>
+        <p:nvSpPr>
+          <p:cNvPr id="6" name="TextBox 5">
+            <a:extLst>
+              <a:ext uri="{FF2B5EF4-FFF2-40B4-BE49-F238E27FC236}">
+                <a16:creationId xmlns:a16="http://schemas.microsoft.com/office/drawing/2014/main" id="{5EE9A5EF-8747-457A-B08E-1C6894903215}"/>
+              </a:ext>
+            </a:extLst>
+          </p:cNvPr>
+          <p:cNvSpPr txBox="1"/>
+          <p:nvPr/>
+        </p:nvSpPr>
+        <p:spPr>
+          <a:xfrm>
+            <a:off x="3837737" y="0"/>
+            <a:ext cx="788565" cy="369332"/>
+          </a:xfrm>
+          <a:prstGeom prst="rect">
+            <a:avLst/>
+          </a:prstGeom>
+          <a:noFill/>
+        </p:spPr>
+        <p:txBody>
+          <a:bodyPr wrap="square" rtlCol="0">
+            <a:spAutoFit/>
+          </a:bodyPr>
+          <a:lstStyle/>
+          <a:p>
+            <a:r>
+              <a:rPr lang="en-US" altLang="ko-KR" dirty="0"/>
+              <a:t>Heap</a:t>
+            </a:r>
+            <a:endParaRPr lang="ko-KR" altLang="en-US" dirty="0"/>
+          </a:p>
+        </p:txBody>
+      </p:sp>
+      <p:cxnSp>
+        <p:nvCxnSpPr>
+          <p:cNvPr id="7" name="직선 연결선 6">
+            <a:extLst>
+              <a:ext uri="{FF2B5EF4-FFF2-40B4-BE49-F238E27FC236}">
+                <a16:creationId xmlns:a16="http://schemas.microsoft.com/office/drawing/2014/main" id="{FB3B12BF-799C-4F16-BA81-3DC0C7DFF62D}"/>
+              </a:ext>
+            </a:extLst>
+          </p:cNvPr>
+          <p:cNvCxnSpPr>
+            <a:cxnSpLocks/>
+          </p:cNvCxnSpPr>
+          <p:nvPr/>
+        </p:nvCxnSpPr>
+        <p:spPr>
+          <a:xfrm>
+            <a:off x="735183" y="521834"/>
+            <a:ext cx="4054531" cy="0"/>
+          </a:xfrm>
+          <a:prstGeom prst="line">
+            <a:avLst/>
+          </a:prstGeom>
+        </p:spPr>
+        <p:style>
+          <a:lnRef idx="1">
+            <a:schemeClr val="accent1"/>
+          </a:lnRef>
+          <a:fillRef idx="0">
+            <a:schemeClr val="accent1"/>
+          </a:fillRef>
+          <a:effectRef idx="0">
+            <a:schemeClr val="accent1"/>
+          </a:effectRef>
+          <a:fontRef idx="minor">
+            <a:schemeClr val="tx1"/>
+          </a:fontRef>
+        </p:style>
+      </p:cxnSp>
+      <p:cxnSp>
+        <p:nvCxnSpPr>
+          <p:cNvPr id="8" name="직선 연결선 7">
+            <a:extLst>
+              <a:ext uri="{FF2B5EF4-FFF2-40B4-BE49-F238E27FC236}">
+                <a16:creationId xmlns:a16="http://schemas.microsoft.com/office/drawing/2014/main" id="{DA64CA54-217B-4FCC-8511-D4C75C514925}"/>
+              </a:ext>
+            </a:extLst>
+          </p:cNvPr>
+          <p:cNvCxnSpPr>
+            <a:cxnSpLocks/>
+          </p:cNvCxnSpPr>
+          <p:nvPr/>
+        </p:nvCxnSpPr>
+        <p:spPr>
+          <a:xfrm>
+            <a:off x="3756339" y="31676"/>
+            <a:ext cx="0" cy="2996766"/>
+          </a:xfrm>
+          <a:prstGeom prst="line">
+            <a:avLst/>
+          </a:prstGeom>
+        </p:spPr>
+        <p:style>
+          <a:lnRef idx="1">
+            <a:schemeClr val="accent1"/>
+          </a:lnRef>
+          <a:fillRef idx="0">
+            <a:schemeClr val="accent1"/>
+          </a:fillRef>
+          <a:effectRef idx="0">
+            <a:schemeClr val="accent1"/>
+          </a:effectRef>
+          <a:fontRef idx="minor">
+            <a:schemeClr val="tx1"/>
+          </a:fontRef>
+        </p:style>
+      </p:cxnSp>
+      <p:sp>
+        <p:nvSpPr>
+          <p:cNvPr id="9" name="TextBox 8">
+            <a:extLst>
+              <a:ext uri="{FF2B5EF4-FFF2-40B4-BE49-F238E27FC236}">
+                <a16:creationId xmlns:a16="http://schemas.microsoft.com/office/drawing/2014/main" id="{4813E117-275B-417E-BBA7-BEABFF550523}"/>
+              </a:ext>
+            </a:extLst>
+          </p:cNvPr>
+          <p:cNvSpPr txBox="1"/>
+          <p:nvPr/>
+        </p:nvSpPr>
+        <p:spPr>
+          <a:xfrm>
+            <a:off x="301613" y="927584"/>
+            <a:ext cx="788565" cy="369332"/>
+          </a:xfrm>
+          <a:prstGeom prst="rect">
+            <a:avLst/>
+          </a:prstGeom>
+          <a:noFill/>
+        </p:spPr>
+        <p:txBody>
+          <a:bodyPr wrap="square" rtlCol="0">
+            <a:spAutoFit/>
+          </a:bodyPr>
+          <a:lstStyle/>
+          <a:p>
+            <a:r>
+              <a:rPr lang="en-US" altLang="ko-KR" dirty="0"/>
+              <a:t>main</a:t>
+            </a:r>
+            <a:endParaRPr lang="ko-KR" altLang="en-US" dirty="0"/>
+          </a:p>
+        </p:txBody>
+      </p:sp>
+      <p:sp>
+        <p:nvSpPr>
+          <p:cNvPr id="10" name="직사각형 9">
+            <a:extLst>
+              <a:ext uri="{FF2B5EF4-FFF2-40B4-BE49-F238E27FC236}">
+                <a16:creationId xmlns:a16="http://schemas.microsoft.com/office/drawing/2014/main" id="{F27C4754-F9E7-4863-941D-7CEADA5EBB5C}"/>
+              </a:ext>
+            </a:extLst>
+          </p:cNvPr>
+          <p:cNvSpPr/>
+          <p:nvPr/>
+        </p:nvSpPr>
+        <p:spPr>
+          <a:xfrm>
+            <a:off x="1567551" y="737773"/>
+            <a:ext cx="788561" cy="662620"/>
+          </a:xfrm>
+          <a:prstGeom prst="rect">
+            <a:avLst/>
+          </a:prstGeom>
+        </p:spPr>
+        <p:style>
+          <a:lnRef idx="2">
+            <a:schemeClr val="accent1">
+              <a:shade val="50000"/>
+            </a:schemeClr>
+          </a:lnRef>
+          <a:fillRef idx="1">
+            <a:schemeClr val="accent1"/>
+          </a:fillRef>
+          <a:effectRef idx="0">
+            <a:schemeClr val="accent1"/>
+          </a:effectRef>
+          <a:fontRef idx="minor">
+            <a:schemeClr val="lt1"/>
+          </a:fontRef>
+        </p:style>
+        <p:txBody>
+          <a:bodyPr rtlCol="0" anchor="ctr"/>
+          <a:lstStyle/>
+          <a:p>
+            <a:pPr algn="ctr"/>
+            <a:r>
+              <a:rPr lang="en-US" altLang="ko-KR" dirty="0"/>
+              <a:t>0</a:t>
+            </a:r>
+            <a:endParaRPr lang="ko-KR" altLang="en-US" dirty="0"/>
+          </a:p>
+        </p:txBody>
+      </p:sp>
+      <p:sp>
+        <p:nvSpPr>
+          <p:cNvPr id="11" name="TextBox 10">
+            <a:extLst>
+              <a:ext uri="{FF2B5EF4-FFF2-40B4-BE49-F238E27FC236}">
+                <a16:creationId xmlns:a16="http://schemas.microsoft.com/office/drawing/2014/main" id="{0231C340-D660-4D5A-B369-1086DA075E00}"/>
+              </a:ext>
+            </a:extLst>
+          </p:cNvPr>
+          <p:cNvSpPr txBox="1"/>
+          <p:nvPr/>
+        </p:nvSpPr>
+        <p:spPr>
+          <a:xfrm>
+            <a:off x="1672308" y="1383829"/>
+            <a:ext cx="683803" cy="369332"/>
+          </a:xfrm>
+          <a:prstGeom prst="rect">
+            <a:avLst/>
+          </a:prstGeom>
+          <a:noFill/>
+        </p:spPr>
+        <p:txBody>
+          <a:bodyPr wrap="square" rtlCol="0">
+            <a:spAutoFit/>
+          </a:bodyPr>
+          <a:lstStyle/>
+          <a:p>
+            <a:r>
+              <a:rPr lang="en-US" altLang="ko-KR" dirty="0"/>
+              <a:t>top</a:t>
+            </a:r>
+            <a:endParaRPr lang="ko-KR" altLang="en-US" dirty="0"/>
+          </a:p>
+        </p:txBody>
+      </p:sp>
+      <p:cxnSp>
+        <p:nvCxnSpPr>
+          <p:cNvPr id="17" name="직선 연결선 16">
+            <a:extLst>
+              <a:ext uri="{FF2B5EF4-FFF2-40B4-BE49-F238E27FC236}">
+                <a16:creationId xmlns:a16="http://schemas.microsoft.com/office/drawing/2014/main" id="{816B145A-CC99-4E67-BD9B-E672F7AB01C1}"/>
+              </a:ext>
+            </a:extLst>
+          </p:cNvPr>
+          <p:cNvCxnSpPr>
+            <a:cxnSpLocks/>
+          </p:cNvCxnSpPr>
+          <p:nvPr/>
+        </p:nvCxnSpPr>
+        <p:spPr>
+          <a:xfrm>
+            <a:off x="582328" y="1844164"/>
+            <a:ext cx="3174011" cy="0"/>
+          </a:xfrm>
+          <a:prstGeom prst="line">
+            <a:avLst/>
+          </a:prstGeom>
+        </p:spPr>
+        <p:style>
+          <a:lnRef idx="1">
+            <a:schemeClr val="accent1"/>
+          </a:lnRef>
+          <a:fillRef idx="0">
+            <a:schemeClr val="accent1"/>
+          </a:fillRef>
+          <a:effectRef idx="0">
+            <a:schemeClr val="accent1"/>
+          </a:effectRef>
+          <a:fontRef idx="minor">
+            <a:schemeClr val="tx1"/>
+          </a:fontRef>
+        </p:style>
+      </p:cxnSp>
+      <p:sp>
+        <p:nvSpPr>
+          <p:cNvPr id="35" name="사각형: 둥근 모서리 34">
+            <a:extLst>
+              <a:ext uri="{FF2B5EF4-FFF2-40B4-BE49-F238E27FC236}">
+                <a16:creationId xmlns:a16="http://schemas.microsoft.com/office/drawing/2014/main" id="{A7751BC5-866F-4C2E-B955-E1F25AB0581F}"/>
+              </a:ext>
+            </a:extLst>
+          </p:cNvPr>
+          <p:cNvSpPr/>
+          <p:nvPr/>
+        </p:nvSpPr>
+        <p:spPr>
+          <a:xfrm>
+            <a:off x="49368" y="112746"/>
+            <a:ext cx="1402061" cy="555398"/>
+          </a:xfrm>
+          <a:prstGeom prst="roundRect">
+            <a:avLst/>
+          </a:prstGeom>
+        </p:spPr>
+        <p:style>
+          <a:lnRef idx="2">
+            <a:schemeClr val="accent1">
+              <a:shade val="50000"/>
+            </a:schemeClr>
+          </a:lnRef>
+          <a:fillRef idx="1">
+            <a:schemeClr val="accent1"/>
+          </a:fillRef>
+          <a:effectRef idx="0">
+            <a:schemeClr val="accent1"/>
+          </a:effectRef>
+          <a:fontRef idx="minor">
+            <a:schemeClr val="lt1"/>
+          </a:fontRef>
+        </p:style>
+        <p:txBody>
+          <a:bodyPr rtlCol="0" anchor="ctr"/>
+          <a:lstStyle/>
+          <a:p>
+            <a:pPr algn="ctr"/>
+            <a:r>
+              <a:rPr lang="en-US" altLang="ko-KR"/>
+              <a:t>!top</a:t>
+            </a:r>
+            <a:r>
+              <a:rPr lang="ko-KR" altLang="en-US" dirty="0" err="1"/>
+              <a:t>일때</a:t>
+            </a:r>
+            <a:r>
+              <a:rPr lang="ko-KR" altLang="en-US" dirty="0"/>
+              <a:t> </a:t>
+            </a:r>
+            <a:r>
+              <a:rPr lang="en-US" altLang="ko-KR" dirty="0"/>
+              <a:t>Pop</a:t>
+            </a:r>
+            <a:endParaRPr lang="ko-KR" altLang="en-US" dirty="0"/>
+          </a:p>
+        </p:txBody>
+      </p:sp>
+      <p:sp>
+        <p:nvSpPr>
+          <p:cNvPr id="47" name="TextBox 46">
+            <a:extLst>
+              <a:ext uri="{FF2B5EF4-FFF2-40B4-BE49-F238E27FC236}">
+                <a16:creationId xmlns:a16="http://schemas.microsoft.com/office/drawing/2014/main" id="{AE25BE98-F09D-4207-8BA8-10AD56D0CD84}"/>
+              </a:ext>
+            </a:extLst>
+          </p:cNvPr>
+          <p:cNvSpPr txBox="1"/>
+          <p:nvPr/>
+        </p:nvSpPr>
+        <p:spPr>
+          <a:xfrm>
+            <a:off x="301613" y="2071997"/>
+            <a:ext cx="788565" cy="369332"/>
+          </a:xfrm>
+          <a:prstGeom prst="rect">
+            <a:avLst/>
+          </a:prstGeom>
+          <a:noFill/>
+        </p:spPr>
+        <p:txBody>
+          <a:bodyPr wrap="square" rtlCol="0">
+            <a:spAutoFit/>
+          </a:bodyPr>
+          <a:lstStyle/>
+          <a:p>
+            <a:r>
+              <a:rPr lang="en-US" altLang="ko-KR" dirty="0"/>
+              <a:t>Pop</a:t>
+            </a:r>
+            <a:endParaRPr lang="ko-KR" altLang="en-US" dirty="0"/>
+          </a:p>
+        </p:txBody>
+      </p:sp>
+      <p:sp>
+        <p:nvSpPr>
+          <p:cNvPr id="48" name="직사각형 47">
+            <a:extLst>
+              <a:ext uri="{FF2B5EF4-FFF2-40B4-BE49-F238E27FC236}">
+                <a16:creationId xmlns:a16="http://schemas.microsoft.com/office/drawing/2014/main" id="{16E429F1-90B2-4ED5-81EE-BD2DBDA6078C}"/>
+              </a:ext>
+            </a:extLst>
+          </p:cNvPr>
+          <p:cNvSpPr/>
+          <p:nvPr/>
+        </p:nvSpPr>
+        <p:spPr>
+          <a:xfrm>
+            <a:off x="1228081" y="2013054"/>
+            <a:ext cx="788561" cy="662620"/>
+          </a:xfrm>
+          <a:prstGeom prst="rect">
+            <a:avLst/>
+          </a:prstGeom>
+        </p:spPr>
+        <p:style>
+          <a:lnRef idx="2">
+            <a:schemeClr val="accent1">
+              <a:shade val="50000"/>
+            </a:schemeClr>
+          </a:lnRef>
+          <a:fillRef idx="1">
+            <a:schemeClr val="accent1"/>
+          </a:fillRef>
+          <a:effectRef idx="0">
+            <a:schemeClr val="accent1"/>
+          </a:effectRef>
+          <a:fontRef idx="minor">
+            <a:schemeClr val="lt1"/>
+          </a:fontRef>
+        </p:style>
+        <p:txBody>
+          <a:bodyPr rtlCol="0" anchor="ctr"/>
+          <a:lstStyle/>
+          <a:p>
+            <a:pPr algn="ctr"/>
+            <a:endParaRPr lang="ko-KR" altLang="en-US" dirty="0"/>
+          </a:p>
+        </p:txBody>
+      </p:sp>
+      <p:sp>
+        <p:nvSpPr>
+          <p:cNvPr id="49" name="TextBox 48">
+            <a:extLst>
+              <a:ext uri="{FF2B5EF4-FFF2-40B4-BE49-F238E27FC236}">
+                <a16:creationId xmlns:a16="http://schemas.microsoft.com/office/drawing/2014/main" id="{8DA73645-3310-4701-8039-C896F18E23B8}"/>
+              </a:ext>
+            </a:extLst>
+          </p:cNvPr>
+          <p:cNvSpPr txBox="1"/>
+          <p:nvPr/>
+        </p:nvSpPr>
+        <p:spPr>
+          <a:xfrm>
+            <a:off x="1332838" y="2659110"/>
+            <a:ext cx="683803" cy="369332"/>
+          </a:xfrm>
+          <a:prstGeom prst="rect">
+            <a:avLst/>
+          </a:prstGeom>
+          <a:noFill/>
+        </p:spPr>
+        <p:txBody>
+          <a:bodyPr wrap="square" rtlCol="0">
+            <a:spAutoFit/>
+          </a:bodyPr>
+          <a:lstStyle/>
+          <a:p>
+            <a:r>
+              <a:rPr lang="en-US" altLang="ko-KR" dirty="0"/>
+              <a:t>top</a:t>
+            </a:r>
+            <a:endParaRPr lang="ko-KR" altLang="en-US" dirty="0"/>
+          </a:p>
+        </p:txBody>
+      </p:sp>
+      <p:cxnSp>
+        <p:nvCxnSpPr>
+          <p:cNvPr id="50" name="연결선: 꺾임 49">
+            <a:extLst>
+              <a:ext uri="{FF2B5EF4-FFF2-40B4-BE49-F238E27FC236}">
+                <a16:creationId xmlns:a16="http://schemas.microsoft.com/office/drawing/2014/main" id="{B4F5F08B-BBDE-4368-8844-10CF2CAFF78E}"/>
+              </a:ext>
+            </a:extLst>
+          </p:cNvPr>
+          <p:cNvCxnSpPr>
+            <a:cxnSpLocks/>
+            <a:stCxn id="48" idx="1"/>
+            <a:endCxn id="10" idx="1"/>
+          </p:cNvCxnSpPr>
+          <p:nvPr/>
+        </p:nvCxnSpPr>
+        <p:spPr>
+          <a:xfrm rot="10800000" flipH="1">
+            <a:off x="1228081" y="1069084"/>
+            <a:ext cx="339470" cy="1275281"/>
+          </a:xfrm>
+          <a:prstGeom prst="bentConnector3">
+            <a:avLst>
+              <a:gd name="adj1" fmla="val -67340"/>
+            </a:avLst>
+          </a:prstGeom>
+          <a:ln>
+            <a:tailEnd type="triangle"/>
+          </a:ln>
+        </p:spPr>
+        <p:style>
+          <a:lnRef idx="2">
+            <a:schemeClr val="accent2"/>
+          </a:lnRef>
+          <a:fillRef idx="0">
+            <a:schemeClr val="accent2"/>
+          </a:fillRef>
+          <a:effectRef idx="1">
+            <a:schemeClr val="accent2"/>
+          </a:effectRef>
+          <a:fontRef idx="minor">
+            <a:schemeClr val="tx1"/>
+          </a:fontRef>
+        </p:style>
+      </p:cxnSp>
+      <p:sp>
+        <p:nvSpPr>
+          <p:cNvPr id="46" name="직사각형 45">
+            <a:extLst>
+              <a:ext uri="{FF2B5EF4-FFF2-40B4-BE49-F238E27FC236}">
+                <a16:creationId xmlns:a16="http://schemas.microsoft.com/office/drawing/2014/main" id="{4AF8AC88-C685-4715-B5F9-01F393D95111}"/>
+              </a:ext>
+            </a:extLst>
+          </p:cNvPr>
+          <p:cNvSpPr/>
+          <p:nvPr/>
+        </p:nvSpPr>
+        <p:spPr>
+          <a:xfrm>
+            <a:off x="2393900" y="2013054"/>
+            <a:ext cx="788561" cy="662620"/>
+          </a:xfrm>
+          <a:prstGeom prst="rect">
+            <a:avLst/>
+          </a:prstGeom>
+        </p:spPr>
+        <p:style>
+          <a:lnRef idx="2">
+            <a:schemeClr val="accent1">
+              <a:shade val="50000"/>
+            </a:schemeClr>
+          </a:lnRef>
+          <a:fillRef idx="1">
+            <a:schemeClr val="accent1"/>
+          </a:fillRef>
+          <a:effectRef idx="0">
+            <a:schemeClr val="accent1"/>
+          </a:effectRef>
+          <a:fontRef idx="minor">
+            <a:schemeClr val="lt1"/>
+          </a:fontRef>
+        </p:style>
+        <p:txBody>
+          <a:bodyPr rtlCol="0" anchor="ctr"/>
+          <a:lstStyle/>
+          <a:p>
+            <a:pPr algn="ctr"/>
+            <a:endParaRPr lang="ko-KR" altLang="en-US" dirty="0"/>
+          </a:p>
+        </p:txBody>
+      </p:sp>
+      <p:sp>
+        <p:nvSpPr>
+          <p:cNvPr id="51" name="TextBox 50">
+            <a:extLst>
+              <a:ext uri="{FF2B5EF4-FFF2-40B4-BE49-F238E27FC236}">
+                <a16:creationId xmlns:a16="http://schemas.microsoft.com/office/drawing/2014/main" id="{3EC21120-BE00-46EF-8832-2FBBDD376970}"/>
+              </a:ext>
+            </a:extLst>
+          </p:cNvPr>
+          <p:cNvSpPr txBox="1"/>
+          <p:nvPr/>
+        </p:nvSpPr>
+        <p:spPr>
+          <a:xfrm>
+            <a:off x="2498657" y="2659110"/>
+            <a:ext cx="683803" cy="369332"/>
+          </a:xfrm>
+          <a:prstGeom prst="rect">
+            <a:avLst/>
+          </a:prstGeom>
+          <a:noFill/>
+        </p:spPr>
+        <p:txBody>
+          <a:bodyPr wrap="square" rtlCol="0">
+            <a:spAutoFit/>
+          </a:bodyPr>
+          <a:lstStyle/>
+          <a:p>
+            <a:r>
+              <a:rPr lang="en-US" altLang="ko-KR" dirty="0" err="1"/>
+              <a:t>tmp</a:t>
+            </a:r>
+            <a:endParaRPr lang="ko-KR" altLang="en-US" dirty="0"/>
+          </a:p>
+        </p:txBody>
+      </p:sp>
+    </p:spTree>
+    <p:extLst>
+      <p:ext uri="{BB962C8B-B14F-4D97-AF65-F5344CB8AC3E}">
+        <p14:creationId xmlns:p14="http://schemas.microsoft.com/office/powerpoint/2010/main" val="1480904877"/>
       </p:ext>
     </p:extLst>
   </p:cSld>
